--- a/ppt/03-28.pptx
+++ b/ppt/03-28.pptx
@@ -7,6 +7,11 @@
   <p:sldIdLst>
     <p:sldId id="257" r:id="rId2"/>
     <p:sldId id="258" r:id="rId3"/>
+    <p:sldId id="259" r:id="rId4"/>
+    <p:sldId id="260" r:id="rId5"/>
+    <p:sldId id="261" r:id="rId6"/>
+    <p:sldId id="262" r:id="rId7"/>
+    <p:sldId id="263" r:id="rId8"/>
   </p:sldIdLst>
   <p:sldSz cx="12192000" cy="6858000"/>
   <p:notesSz cx="6858000" cy="9144000"/>
@@ -3219,7 +3224,6 @@
               <a:rPr lang="en-US" altLang="ko-KR" sz="1400" dirty="0" smtClean="0"/>
               <a:t>.</a:t>
             </a:r>
-            <a:endParaRPr lang="en-US" altLang="ko-KR" sz="1400" dirty="0" smtClean="0"/>
           </a:p>
         </p:txBody>
       </p:sp>
@@ -3515,6 +3519,488 @@
     <p:extLst>
       <p:ext uri="{BB962C8B-B14F-4D97-AF65-F5344CB8AC3E}">
         <p14:creationId xmlns:p14="http://schemas.microsoft.com/office/powerpoint/2010/main" val="1000802371"/>
+      </p:ext>
+    </p:extLst>
+  </p:cSld>
+  <p:clrMapOvr>
+    <a:masterClrMapping/>
+  </p:clrMapOvr>
+</p:sld>
+</file>
+
+<file path=ppt/slides/slide3.xml><?xml version="1.0" encoding="utf-8"?>
+<p:sld xmlns:a="http://schemas.openxmlformats.org/drawingml/2006/main" xmlns:r="http://schemas.openxmlformats.org/officeDocument/2006/relationships" xmlns:p="http://schemas.openxmlformats.org/presentationml/2006/main">
+  <p:cSld>
+    <p:spTree>
+      <p:nvGrpSpPr>
+        <p:cNvPr id="1" name=""/>
+        <p:cNvGrpSpPr/>
+        <p:nvPr/>
+      </p:nvGrpSpPr>
+      <p:grpSpPr>
+        <a:xfrm>
+          <a:off x="0" y="0"/>
+          <a:ext cx="0" cy="0"/>
+          <a:chOff x="0" y="0"/>
+          <a:chExt cx="0" cy="0"/>
+        </a:xfrm>
+      </p:grpSpPr>
+      <p:pic>
+        <p:nvPicPr>
+          <p:cNvPr id="6" name="그림 5"/>
+          <p:cNvPicPr>
+            <a:picLocks noChangeAspect="1"/>
+          </p:cNvPicPr>
+          <p:nvPr/>
+        </p:nvPicPr>
+        <p:blipFill>
+          <a:blip r:embed="rId2"/>
+          <a:stretch>
+            <a:fillRect/>
+          </a:stretch>
+        </p:blipFill>
+        <p:spPr>
+          <a:xfrm>
+            <a:off x="2024662" y="1734927"/>
+            <a:ext cx="4829849" cy="3762900"/>
+          </a:xfrm>
+          <a:prstGeom prst="rect">
+            <a:avLst/>
+          </a:prstGeom>
+        </p:spPr>
+      </p:pic>
+    </p:spTree>
+    <p:extLst>
+      <p:ext uri="{BB962C8B-B14F-4D97-AF65-F5344CB8AC3E}">
+        <p14:creationId xmlns:p14="http://schemas.microsoft.com/office/powerpoint/2010/main" val="2157090484"/>
+      </p:ext>
+    </p:extLst>
+  </p:cSld>
+  <p:clrMapOvr>
+    <a:masterClrMapping/>
+  </p:clrMapOvr>
+</p:sld>
+</file>
+
+<file path=ppt/slides/slide4.xml><?xml version="1.0" encoding="utf-8"?>
+<p:sld xmlns:a="http://schemas.openxmlformats.org/drawingml/2006/main" xmlns:r="http://schemas.openxmlformats.org/officeDocument/2006/relationships" xmlns:p="http://schemas.openxmlformats.org/presentationml/2006/main">
+  <p:cSld>
+    <p:spTree>
+      <p:nvGrpSpPr>
+        <p:cNvPr id="1" name=""/>
+        <p:cNvGrpSpPr/>
+        <p:nvPr/>
+      </p:nvGrpSpPr>
+      <p:grpSpPr>
+        <a:xfrm>
+          <a:off x="0" y="0"/>
+          <a:ext cx="0" cy="0"/>
+          <a:chOff x="0" y="0"/>
+          <a:chExt cx="0" cy="0"/>
+        </a:xfrm>
+      </p:grpSpPr>
+      <p:pic>
+        <p:nvPicPr>
+          <p:cNvPr id="2" name="그림 1"/>
+          <p:cNvPicPr>
+            <a:picLocks noChangeAspect="1"/>
+          </p:cNvPicPr>
+          <p:nvPr/>
+        </p:nvPicPr>
+        <p:blipFill>
+          <a:blip r:embed="rId2"/>
+          <a:stretch>
+            <a:fillRect/>
+          </a:stretch>
+        </p:blipFill>
+        <p:spPr>
+          <a:xfrm>
+            <a:off x="1400461" y="2916609"/>
+            <a:ext cx="3724795" cy="1009791"/>
+          </a:xfrm>
+          <a:prstGeom prst="rect">
+            <a:avLst/>
+          </a:prstGeom>
+        </p:spPr>
+      </p:pic>
+      <p:sp>
+        <p:nvSpPr>
+          <p:cNvPr id="3" name="TextBox 2"/>
+          <p:cNvSpPr txBox="1"/>
+          <p:nvPr/>
+        </p:nvSpPr>
+        <p:spPr>
+          <a:xfrm>
+            <a:off x="5988570" y="3807502"/>
+            <a:ext cx="45719" cy="923330"/>
+          </a:xfrm>
+          <a:prstGeom prst="rect">
+            <a:avLst/>
+          </a:prstGeom>
+          <a:noFill/>
+        </p:spPr>
+        <p:txBody>
+          <a:bodyPr wrap="square" rtlCol="0">
+            <a:spAutoFit/>
+          </a:bodyPr>
+          <a:lstStyle/>
+          <a:p>
+            <a:r>
+              <a:rPr lang="ko-KR" altLang="en-US" dirty="0" err="1" smtClean="0"/>
+              <a:t>한줄로</a:t>
+            </a:r>
+            <a:endParaRPr lang="ko-KR" altLang="en-US" dirty="0"/>
+          </a:p>
+        </p:txBody>
+      </p:sp>
+      <p:sp>
+        <p:nvSpPr>
+          <p:cNvPr id="4" name="TextBox 3"/>
+          <p:cNvSpPr txBox="1"/>
+          <p:nvPr/>
+        </p:nvSpPr>
+        <p:spPr>
+          <a:xfrm>
+            <a:off x="1484026" y="4796852"/>
+            <a:ext cx="2507418" cy="369332"/>
+          </a:xfrm>
+          <a:prstGeom prst="rect">
+            <a:avLst/>
+          </a:prstGeom>
+          <a:noFill/>
+        </p:spPr>
+        <p:txBody>
+          <a:bodyPr wrap="none" rtlCol="0">
+            <a:spAutoFit/>
+          </a:bodyPr>
+          <a:lstStyle/>
+          <a:p>
+            <a:r>
+              <a:rPr lang="ko-KR" altLang="en-US" dirty="0" smtClean="0"/>
+              <a:t>상하 간격을 좀 줄이고</a:t>
+            </a:r>
+            <a:endParaRPr lang="ko-KR" altLang="en-US" dirty="0"/>
+          </a:p>
+        </p:txBody>
+      </p:sp>
+      <p:pic>
+        <p:nvPicPr>
+          <p:cNvPr id="5" name="그림 4"/>
+          <p:cNvPicPr>
+            <a:picLocks noChangeAspect="1"/>
+          </p:cNvPicPr>
+          <p:nvPr/>
+        </p:nvPicPr>
+        <p:blipFill>
+          <a:blip r:embed="rId3"/>
+          <a:stretch>
+            <a:fillRect/>
+          </a:stretch>
+        </p:blipFill>
+        <p:spPr>
+          <a:xfrm>
+            <a:off x="7097614" y="1125914"/>
+            <a:ext cx="3943900" cy="933580"/>
+          </a:xfrm>
+          <a:prstGeom prst="rect">
+            <a:avLst/>
+          </a:prstGeom>
+        </p:spPr>
+      </p:pic>
+      <p:sp>
+        <p:nvSpPr>
+          <p:cNvPr id="8" name="TextBox 7"/>
+          <p:cNvSpPr txBox="1"/>
+          <p:nvPr/>
+        </p:nvSpPr>
+        <p:spPr>
+          <a:xfrm>
+            <a:off x="7585023" y="2540833"/>
+            <a:ext cx="2969083" cy="369332"/>
+          </a:xfrm>
+          <a:prstGeom prst="rect">
+            <a:avLst/>
+          </a:prstGeom>
+          <a:noFill/>
+        </p:spPr>
+        <p:txBody>
+          <a:bodyPr wrap="none" rtlCol="0">
+            <a:spAutoFit/>
+          </a:bodyPr>
+          <a:lstStyle/>
+          <a:p>
+            <a:r>
+              <a:rPr lang="ko-KR" altLang="en-US" dirty="0" smtClean="0"/>
+              <a:t>누르면 나오는 화면 스크롤</a:t>
+            </a:r>
+            <a:endParaRPr lang="ko-KR" altLang="en-US" dirty="0"/>
+          </a:p>
+        </p:txBody>
+      </p:sp>
+    </p:spTree>
+    <p:extLst>
+      <p:ext uri="{BB962C8B-B14F-4D97-AF65-F5344CB8AC3E}">
+        <p14:creationId xmlns:p14="http://schemas.microsoft.com/office/powerpoint/2010/main" val="1831381010"/>
+      </p:ext>
+    </p:extLst>
+  </p:cSld>
+  <p:clrMapOvr>
+    <a:masterClrMapping/>
+  </p:clrMapOvr>
+</p:sld>
+</file>
+
+<file path=ppt/slides/slide5.xml><?xml version="1.0" encoding="utf-8"?>
+<p:sld xmlns:a="http://schemas.openxmlformats.org/drawingml/2006/main" xmlns:r="http://schemas.openxmlformats.org/officeDocument/2006/relationships" xmlns:p="http://schemas.openxmlformats.org/presentationml/2006/main">
+  <p:cSld>
+    <p:spTree>
+      <p:nvGrpSpPr>
+        <p:cNvPr id="1" name=""/>
+        <p:cNvGrpSpPr/>
+        <p:nvPr/>
+      </p:nvGrpSpPr>
+      <p:grpSpPr>
+        <a:xfrm>
+          <a:off x="0" y="0"/>
+          <a:ext cx="0" cy="0"/>
+          <a:chOff x="0" y="0"/>
+          <a:chExt cx="0" cy="0"/>
+        </a:xfrm>
+      </p:grpSpPr>
+      <p:sp>
+        <p:nvSpPr>
+          <p:cNvPr id="2" name="TextBox 1"/>
+          <p:cNvSpPr txBox="1"/>
+          <p:nvPr/>
+        </p:nvSpPr>
+        <p:spPr>
+          <a:xfrm>
+            <a:off x="3762531" y="2196059"/>
+            <a:ext cx="3743332" cy="369332"/>
+          </a:xfrm>
+          <a:prstGeom prst="rect">
+            <a:avLst/>
+          </a:prstGeom>
+          <a:noFill/>
+        </p:spPr>
+        <p:txBody>
+          <a:bodyPr wrap="none" rtlCol="0">
+            <a:spAutoFit/>
+          </a:bodyPr>
+          <a:lstStyle/>
+          <a:p>
+            <a:r>
+              <a:rPr lang="ko-KR" altLang="en-US" dirty="0" smtClean="0"/>
+              <a:t>가운데 </a:t>
+            </a:r>
+            <a:r>
+              <a:rPr lang="ko-KR" altLang="en-US" dirty="0" err="1" smtClean="0"/>
+              <a:t>모달</a:t>
+            </a:r>
+            <a:r>
+              <a:rPr lang="ko-KR" altLang="en-US" dirty="0" smtClean="0"/>
+              <a:t> 레이어 공통에 만들어</a:t>
+            </a:r>
+            <a:endParaRPr lang="ko-KR" altLang="en-US" dirty="0"/>
+          </a:p>
+        </p:txBody>
+      </p:sp>
+    </p:spTree>
+    <p:extLst>
+      <p:ext uri="{BB962C8B-B14F-4D97-AF65-F5344CB8AC3E}">
+        <p14:creationId xmlns:p14="http://schemas.microsoft.com/office/powerpoint/2010/main" val="4025382967"/>
+      </p:ext>
+    </p:extLst>
+  </p:cSld>
+  <p:clrMapOvr>
+    <a:masterClrMapping/>
+  </p:clrMapOvr>
+</p:sld>
+</file>
+
+<file path=ppt/slides/slide6.xml><?xml version="1.0" encoding="utf-8"?>
+<p:sld xmlns:a="http://schemas.openxmlformats.org/drawingml/2006/main" xmlns:r="http://schemas.openxmlformats.org/officeDocument/2006/relationships" xmlns:p="http://schemas.openxmlformats.org/presentationml/2006/main">
+  <p:cSld>
+    <p:spTree>
+      <p:nvGrpSpPr>
+        <p:cNvPr id="1" name=""/>
+        <p:cNvGrpSpPr/>
+        <p:nvPr/>
+      </p:nvGrpSpPr>
+      <p:grpSpPr>
+        <a:xfrm>
+          <a:off x="0" y="0"/>
+          <a:ext cx="0" cy="0"/>
+          <a:chOff x="0" y="0"/>
+          <a:chExt cx="0" cy="0"/>
+        </a:xfrm>
+      </p:grpSpPr>
+      <p:pic>
+        <p:nvPicPr>
+          <p:cNvPr id="3" name="그림 2"/>
+          <p:cNvPicPr>
+            <a:picLocks noChangeAspect="1"/>
+          </p:cNvPicPr>
+          <p:nvPr/>
+        </p:nvPicPr>
+        <p:blipFill>
+          <a:blip r:embed="rId2"/>
+          <a:stretch>
+            <a:fillRect/>
+          </a:stretch>
+        </p:blipFill>
+        <p:spPr>
+          <a:xfrm>
+            <a:off x="1656730" y="2995552"/>
+            <a:ext cx="8878539" cy="866896"/>
+          </a:xfrm>
+          <a:prstGeom prst="rect">
+            <a:avLst/>
+          </a:prstGeom>
+        </p:spPr>
+      </p:pic>
+    </p:spTree>
+    <p:extLst>
+      <p:ext uri="{BB962C8B-B14F-4D97-AF65-F5344CB8AC3E}">
+        <p14:creationId xmlns:p14="http://schemas.microsoft.com/office/powerpoint/2010/main" val="2890889344"/>
+      </p:ext>
+    </p:extLst>
+  </p:cSld>
+  <p:clrMapOvr>
+    <a:masterClrMapping/>
+  </p:clrMapOvr>
+</p:sld>
+</file>
+
+<file path=ppt/slides/slide7.xml><?xml version="1.0" encoding="utf-8"?>
+<p:sld xmlns:a="http://schemas.openxmlformats.org/drawingml/2006/main" xmlns:r="http://schemas.openxmlformats.org/officeDocument/2006/relationships" xmlns:p="http://schemas.openxmlformats.org/presentationml/2006/main">
+  <p:cSld>
+    <p:spTree>
+      <p:nvGrpSpPr>
+        <p:cNvPr id="1" name=""/>
+        <p:cNvGrpSpPr/>
+        <p:nvPr/>
+      </p:nvGrpSpPr>
+      <p:grpSpPr>
+        <a:xfrm>
+          <a:off x="0" y="0"/>
+          <a:ext cx="0" cy="0"/>
+          <a:chOff x="0" y="0"/>
+          <a:chExt cx="0" cy="0"/>
+        </a:xfrm>
+      </p:grpSpPr>
+      <p:pic>
+        <p:nvPicPr>
+          <p:cNvPr id="2" name="그림 1"/>
+          <p:cNvPicPr>
+            <a:picLocks noChangeAspect="1"/>
+          </p:cNvPicPr>
+          <p:nvPr/>
+        </p:nvPicPr>
+        <p:blipFill>
+          <a:blip r:embed="rId2"/>
+          <a:stretch>
+            <a:fillRect/>
+          </a:stretch>
+        </p:blipFill>
+        <p:spPr>
+          <a:xfrm>
+            <a:off x="6651564" y="1934053"/>
+            <a:ext cx="2381582" cy="981212"/>
+          </a:xfrm>
+          <a:prstGeom prst="rect">
+            <a:avLst/>
+          </a:prstGeom>
+        </p:spPr>
+      </p:pic>
+      <p:pic>
+        <p:nvPicPr>
+          <p:cNvPr id="4" name="그림 3"/>
+          <p:cNvPicPr>
+            <a:picLocks noChangeAspect="1"/>
+          </p:cNvPicPr>
+          <p:nvPr/>
+        </p:nvPicPr>
+        <p:blipFill>
+          <a:blip r:embed="rId3"/>
+          <a:stretch>
+            <a:fillRect/>
+          </a:stretch>
+        </p:blipFill>
+        <p:spPr>
+          <a:xfrm>
+            <a:off x="1028722" y="1771419"/>
+            <a:ext cx="4153480" cy="1657581"/>
+          </a:xfrm>
+          <a:prstGeom prst="rect">
+            <a:avLst/>
+          </a:prstGeom>
+        </p:spPr>
+      </p:pic>
+      <p:sp>
+        <p:nvSpPr>
+          <p:cNvPr id="5" name="TextBox 4"/>
+          <p:cNvSpPr txBox="1"/>
+          <p:nvPr/>
+        </p:nvSpPr>
+        <p:spPr>
+          <a:xfrm>
+            <a:off x="1191718" y="4062334"/>
+            <a:ext cx="1733167" cy="369332"/>
+          </a:xfrm>
+          <a:prstGeom prst="rect">
+            <a:avLst/>
+          </a:prstGeom>
+          <a:noFill/>
+        </p:spPr>
+        <p:txBody>
+          <a:bodyPr wrap="none" rtlCol="0">
+            <a:spAutoFit/>
+          </a:bodyPr>
+          <a:lstStyle/>
+          <a:p>
+            <a:r>
+              <a:rPr lang="ko-KR" altLang="en-US" dirty="0" smtClean="0"/>
+              <a:t>스크롤 바 수정</a:t>
+            </a:r>
+            <a:endParaRPr lang="ko-KR" altLang="en-US" dirty="0"/>
+          </a:p>
+        </p:txBody>
+      </p:sp>
+      <p:sp>
+        <p:nvSpPr>
+          <p:cNvPr id="6" name="TextBox 5"/>
+          <p:cNvSpPr txBox="1"/>
+          <p:nvPr/>
+        </p:nvSpPr>
+        <p:spPr>
+          <a:xfrm>
+            <a:off x="7105338" y="4062334"/>
+            <a:ext cx="1420582" cy="369332"/>
+          </a:xfrm>
+          <a:prstGeom prst="rect">
+            <a:avLst/>
+          </a:prstGeom>
+          <a:noFill/>
+        </p:spPr>
+        <p:txBody>
+          <a:bodyPr wrap="none" rtlCol="0">
+            <a:spAutoFit/>
+          </a:bodyPr>
+          <a:lstStyle/>
+          <a:p>
+            <a:r>
+              <a:rPr lang="ko-KR" altLang="en-US" dirty="0" smtClean="0"/>
+              <a:t>아이콘 이상</a:t>
+            </a:r>
+            <a:endParaRPr lang="ko-KR" altLang="en-US" dirty="0"/>
+          </a:p>
+        </p:txBody>
+      </p:sp>
+    </p:spTree>
+    <p:extLst>
+      <p:ext uri="{BB962C8B-B14F-4D97-AF65-F5344CB8AC3E}">
+        <p14:creationId xmlns:p14="http://schemas.microsoft.com/office/powerpoint/2010/main" val="2165326684"/>
       </p:ext>
     </p:extLst>
   </p:cSld>

--- a/ppt/03-28.pptx
+++ b/ppt/03-28.pptx
@@ -3547,7 +3547,7 @@
       </p:grpSpPr>
       <p:pic>
         <p:nvPicPr>
-          <p:cNvPr id="6" name="그림 5"/>
+          <p:cNvPr id="2" name="그림 1"/>
           <p:cNvPicPr>
             <a:picLocks noChangeAspect="1"/>
           </p:cNvPicPr>
@@ -3561,14 +3561,295 @@
         </p:blipFill>
         <p:spPr>
           <a:xfrm>
-            <a:off x="2024662" y="1734927"/>
-            <a:ext cx="4829849" cy="3762900"/>
+            <a:off x="510302" y="988918"/>
+            <a:ext cx="2562682" cy="5510900"/>
           </a:xfrm>
           <a:prstGeom prst="rect">
             <a:avLst/>
           </a:prstGeom>
         </p:spPr>
       </p:pic>
+      <p:sp>
+        <p:nvSpPr>
+          <p:cNvPr id="4" name="TextBox 3"/>
+          <p:cNvSpPr txBox="1"/>
+          <p:nvPr/>
+        </p:nvSpPr>
+        <p:spPr>
+          <a:xfrm>
+            <a:off x="607101" y="352269"/>
+            <a:ext cx="4477508" cy="369332"/>
+          </a:xfrm>
+          <a:prstGeom prst="rect">
+            <a:avLst/>
+          </a:prstGeom>
+          <a:noFill/>
+        </p:spPr>
+        <p:txBody>
+          <a:bodyPr wrap="none" rtlCol="0">
+            <a:spAutoFit/>
+          </a:bodyPr>
+          <a:lstStyle/>
+          <a:p>
+            <a:r>
+              <a:rPr lang="en-US" altLang="ko-KR" dirty="0"/>
+              <a:t>swiperHidden </a:t>
+            </a:r>
+            <a:r>
+              <a:rPr lang="ko-KR" altLang="en-US" dirty="0"/>
+              <a:t>넣었더니 배경의 좌우 </a:t>
+            </a:r>
+            <a:r>
+              <a:rPr lang="ko-KR" altLang="en-US" dirty="0" err="1"/>
+              <a:t>짤림</a:t>
+            </a:r>
+            <a:endParaRPr lang="ko-KR" altLang="en-US" dirty="0"/>
+          </a:p>
+        </p:txBody>
+      </p:sp>
+      <p:sp>
+        <p:nvSpPr>
+          <p:cNvPr id="5" name="TextBox 4"/>
+          <p:cNvSpPr txBox="1"/>
+          <p:nvPr/>
+        </p:nvSpPr>
+        <p:spPr>
+          <a:xfrm>
+            <a:off x="7622499" y="4889958"/>
+            <a:ext cx="2454518" cy="415498"/>
+          </a:xfrm>
+          <a:prstGeom prst="rect">
+            <a:avLst/>
+          </a:prstGeom>
+          <a:noFill/>
+        </p:spPr>
+        <p:txBody>
+          <a:bodyPr wrap="none" rtlCol="0">
+            <a:spAutoFit/>
+          </a:bodyPr>
+          <a:lstStyle/>
+          <a:p>
+            <a:pPr>
+              <a:lnSpc>
+                <a:spcPct val="150000"/>
+              </a:lnSpc>
+            </a:pPr>
+            <a:r>
+              <a:rPr lang="en-US" altLang="ko-KR" sz="1400" dirty="0" smtClean="0"/>
+              <a:t>CSS </a:t>
+            </a:r>
+            <a:r>
+              <a:rPr lang="ko-KR" altLang="en-US" sz="1400" dirty="0" smtClean="0"/>
+              <a:t>적용하면 </a:t>
+            </a:r>
+            <a:r>
+              <a:rPr lang="ko-KR" altLang="en-US" sz="1400" dirty="0" err="1" smtClean="0"/>
+              <a:t>해결될거에요</a:t>
+            </a:r>
+            <a:r>
+              <a:rPr lang="en-US" altLang="ko-KR" sz="1400" dirty="0" smtClean="0"/>
+              <a:t>.</a:t>
+            </a:r>
+            <a:endParaRPr lang="en-US" altLang="ko-KR" sz="1400" dirty="0" smtClean="0"/>
+          </a:p>
+        </p:txBody>
+      </p:sp>
+      <p:pic>
+        <p:nvPicPr>
+          <p:cNvPr id="7" name="그림 6"/>
+          <p:cNvPicPr>
+            <a:picLocks noChangeAspect="1"/>
+          </p:cNvPicPr>
+          <p:nvPr/>
+        </p:nvPicPr>
+        <p:blipFill>
+          <a:blip r:embed="rId3"/>
+          <a:stretch>
+            <a:fillRect/>
+          </a:stretch>
+        </p:blipFill>
+        <p:spPr>
+          <a:xfrm>
+            <a:off x="3684083" y="1248968"/>
+            <a:ext cx="7000407" cy="2685378"/>
+          </a:xfrm>
+          <a:prstGeom prst="rect">
+            <a:avLst/>
+          </a:prstGeom>
+        </p:spPr>
+      </p:pic>
+      <p:sp>
+        <p:nvSpPr>
+          <p:cNvPr id="8" name="TextBox 7"/>
+          <p:cNvSpPr txBox="1"/>
+          <p:nvPr/>
+        </p:nvSpPr>
+        <p:spPr>
+          <a:xfrm>
+            <a:off x="7622499" y="4412152"/>
+            <a:ext cx="3661598" cy="415498"/>
+          </a:xfrm>
+          <a:prstGeom prst="rect">
+            <a:avLst/>
+          </a:prstGeom>
+          <a:noFill/>
+        </p:spPr>
+        <p:txBody>
+          <a:bodyPr wrap="square" rtlCol="0">
+            <a:spAutoFit/>
+          </a:bodyPr>
+          <a:lstStyle/>
+          <a:p>
+            <a:pPr>
+              <a:lnSpc>
+                <a:spcPct val="150000"/>
+              </a:lnSpc>
+            </a:pPr>
+            <a:r>
+              <a:rPr lang="ko-KR" altLang="en-US" sz="1400" dirty="0" smtClean="0"/>
+              <a:t>위치에 </a:t>
+            </a:r>
+            <a:r>
+              <a:rPr lang="en-US" altLang="ko-KR" sz="1400" dirty="0" smtClean="0"/>
+              <a:t>swiperHidden </a:t>
+            </a:r>
+            <a:r>
+              <a:rPr lang="ko-KR" altLang="en-US" sz="1400" dirty="0" smtClean="0"/>
+              <a:t>클래스 추가해주세요</a:t>
+            </a:r>
+            <a:r>
+              <a:rPr lang="en-US" altLang="ko-KR" sz="1400" dirty="0" smtClean="0"/>
+              <a:t>.</a:t>
+            </a:r>
+            <a:endParaRPr lang="ko-KR" altLang="en-US" sz="1400" dirty="0"/>
+          </a:p>
+        </p:txBody>
+      </p:sp>
+      <p:cxnSp>
+        <p:nvCxnSpPr>
+          <p:cNvPr id="9" name="직선 화살표 연결선 8"/>
+          <p:cNvCxnSpPr/>
+          <p:nvPr/>
+        </p:nvCxnSpPr>
+        <p:spPr>
+          <a:xfrm flipV="1">
+            <a:off x="8799225" y="1596453"/>
+            <a:ext cx="0" cy="2713219"/>
+          </a:xfrm>
+          <a:prstGeom prst="straightConnector1">
+            <a:avLst/>
+          </a:prstGeom>
+          <a:ln>
+            <a:tailEnd type="triangle"/>
+          </a:ln>
+        </p:spPr>
+        <p:style>
+          <a:lnRef idx="1">
+            <a:schemeClr val="accent1"/>
+          </a:lnRef>
+          <a:fillRef idx="0">
+            <a:schemeClr val="accent1"/>
+          </a:fillRef>
+          <a:effectRef idx="0">
+            <a:schemeClr val="accent1"/>
+          </a:effectRef>
+          <a:fontRef idx="minor">
+            <a:schemeClr val="tx1"/>
+          </a:fontRef>
+        </p:style>
+      </p:cxnSp>
+      <p:pic>
+        <p:nvPicPr>
+          <p:cNvPr id="3" name="그림 2"/>
+          <p:cNvPicPr>
+            <a:picLocks noChangeAspect="1"/>
+          </p:cNvPicPr>
+          <p:nvPr/>
+        </p:nvPicPr>
+        <p:blipFill>
+          <a:blip r:embed="rId4"/>
+          <a:stretch>
+            <a:fillRect/>
+          </a:stretch>
+        </p:blipFill>
+        <p:spPr>
+          <a:xfrm>
+            <a:off x="3726228" y="5097707"/>
+            <a:ext cx="3458058" cy="1562318"/>
+          </a:xfrm>
+          <a:prstGeom prst="rect">
+            <a:avLst/>
+          </a:prstGeom>
+        </p:spPr>
+      </p:pic>
+      <p:cxnSp>
+        <p:nvCxnSpPr>
+          <p:cNvPr id="11" name="직선 화살표 연결선 10"/>
+          <p:cNvCxnSpPr/>
+          <p:nvPr/>
+        </p:nvCxnSpPr>
+        <p:spPr>
+          <a:xfrm flipH="1" flipV="1">
+            <a:off x="2743200" y="4774367"/>
+            <a:ext cx="727023" cy="682053"/>
+          </a:xfrm>
+          <a:prstGeom prst="straightConnector1">
+            <a:avLst/>
+          </a:prstGeom>
+          <a:ln>
+            <a:tailEnd type="triangle"/>
+          </a:ln>
+        </p:spPr>
+        <p:style>
+          <a:lnRef idx="1">
+            <a:schemeClr val="accent1"/>
+          </a:lnRef>
+          <a:fillRef idx="0">
+            <a:schemeClr val="accent1"/>
+          </a:fillRef>
+          <a:effectRef idx="0">
+            <a:schemeClr val="accent1"/>
+          </a:effectRef>
+          <a:fontRef idx="minor">
+            <a:schemeClr val="tx1"/>
+          </a:fontRef>
+        </p:style>
+      </p:cxnSp>
+      <p:sp>
+        <p:nvSpPr>
+          <p:cNvPr id="12" name="TextBox 11"/>
+          <p:cNvSpPr txBox="1"/>
+          <p:nvPr/>
+        </p:nvSpPr>
+        <p:spPr>
+          <a:xfrm>
+            <a:off x="3721616" y="4619901"/>
+            <a:ext cx="1144865" cy="415498"/>
+          </a:xfrm>
+          <a:prstGeom prst="rect">
+            <a:avLst/>
+          </a:prstGeom>
+          <a:noFill/>
+        </p:spPr>
+        <p:txBody>
+          <a:bodyPr wrap="none" rtlCol="0">
+            <a:spAutoFit/>
+          </a:bodyPr>
+          <a:lstStyle/>
+          <a:p>
+            <a:pPr>
+              <a:lnSpc>
+                <a:spcPct val="150000"/>
+              </a:lnSpc>
+            </a:pPr>
+            <a:r>
+              <a:rPr lang="ko-KR" altLang="en-US" sz="1400" dirty="0" smtClean="0"/>
+              <a:t>디자인 변경</a:t>
+            </a:r>
+            <a:endParaRPr lang="en-US" altLang="ko-KR" sz="1400" dirty="0" smtClean="0"/>
+          </a:p>
+        </p:txBody>
+      </p:sp>
     </p:spTree>
     <p:extLst>
       <p:ext uri="{BB962C8B-B14F-4D97-AF65-F5344CB8AC3E}">
@@ -3599,9 +3880,168 @@
           <a:chExt cx="0" cy="0"/>
         </a:xfrm>
       </p:grpSpPr>
+      <p:sp>
+        <p:nvSpPr>
+          <p:cNvPr id="4" name="TextBox 3"/>
+          <p:cNvSpPr txBox="1"/>
+          <p:nvPr/>
+        </p:nvSpPr>
+        <p:spPr>
+          <a:xfrm>
+            <a:off x="5653985" y="2601839"/>
+            <a:ext cx="3347391" cy="307777"/>
+          </a:xfrm>
+          <a:prstGeom prst="rect">
+            <a:avLst/>
+          </a:prstGeom>
+          <a:noFill/>
+        </p:spPr>
+        <p:txBody>
+          <a:bodyPr wrap="none" rtlCol="0">
+            <a:spAutoFit/>
+          </a:bodyPr>
+          <a:lstStyle/>
+          <a:p>
+            <a:r>
+              <a:rPr lang="ko-KR" altLang="en-US" sz="1400" dirty="0" err="1" smtClean="0"/>
+              <a:t>한줄로</a:t>
+            </a:r>
+            <a:r>
+              <a:rPr lang="ko-KR" altLang="en-US" sz="1400" dirty="0" smtClean="0"/>
+              <a:t> 변경하고 상하 간격 줄였습니다</a:t>
+            </a:r>
+            <a:r>
+              <a:rPr lang="en-US" altLang="ko-KR" sz="1400" dirty="0" smtClean="0"/>
+              <a:t>.</a:t>
+            </a:r>
+            <a:endParaRPr lang="ko-KR" altLang="en-US" sz="1400" dirty="0"/>
+          </a:p>
+        </p:txBody>
+      </p:sp>
+      <p:sp>
+        <p:nvSpPr>
+          <p:cNvPr id="8" name="TextBox 7"/>
+          <p:cNvSpPr txBox="1"/>
+          <p:nvPr/>
+        </p:nvSpPr>
+        <p:spPr>
+          <a:xfrm>
+            <a:off x="933851" y="4347148"/>
+            <a:ext cx="2948243" cy="523220"/>
+          </a:xfrm>
+          <a:prstGeom prst="rect">
+            <a:avLst/>
+          </a:prstGeom>
+          <a:noFill/>
+        </p:spPr>
+        <p:txBody>
+          <a:bodyPr wrap="none" rtlCol="0">
+            <a:spAutoFit/>
+          </a:bodyPr>
+          <a:lstStyle/>
+          <a:p>
+            <a:r>
+              <a:rPr lang="ko-KR" altLang="en-US" sz="1400" dirty="0" smtClean="0"/>
+              <a:t>서비스 개선 요청하기 버튼 </a:t>
+            </a:r>
+            <a:r>
+              <a:rPr lang="ko-KR" altLang="en-US" sz="1400" dirty="0" err="1" smtClean="0"/>
+              <a:t>클릭시</a:t>
+            </a:r>
+            <a:endParaRPr lang="en-US" altLang="ko-KR" sz="1400" dirty="0"/>
+          </a:p>
+          <a:p>
+            <a:r>
+              <a:rPr lang="ko-KR" altLang="en-US" sz="1400" dirty="0" smtClean="0"/>
+              <a:t>나오는 레이어 스크롤 관련</a:t>
+            </a:r>
+            <a:endParaRPr lang="ko-KR" altLang="en-US" sz="1400" dirty="0"/>
+          </a:p>
+        </p:txBody>
+      </p:sp>
+      <p:sp>
+        <p:nvSpPr>
+          <p:cNvPr id="7" name="TextBox 6"/>
+          <p:cNvSpPr txBox="1"/>
+          <p:nvPr/>
+        </p:nvSpPr>
+        <p:spPr>
+          <a:xfrm>
+            <a:off x="607101" y="352269"/>
+            <a:ext cx="1872629" cy="369332"/>
+          </a:xfrm>
+          <a:prstGeom prst="rect">
+            <a:avLst/>
+          </a:prstGeom>
+          <a:noFill/>
+        </p:spPr>
+        <p:txBody>
+          <a:bodyPr wrap="none" rtlCol="0">
+            <a:spAutoFit/>
+          </a:bodyPr>
+          <a:lstStyle/>
+          <a:p>
+            <a:r>
+              <a:rPr lang="en-US" altLang="ko-KR" dirty="0"/>
+              <a:t>UI-SJN-82-002U</a:t>
+            </a:r>
+            <a:endParaRPr lang="ko-KR" altLang="en-US" dirty="0"/>
+          </a:p>
+        </p:txBody>
+      </p:sp>
+      <p:sp>
+        <p:nvSpPr>
+          <p:cNvPr id="9" name="TextBox 8"/>
+          <p:cNvSpPr txBox="1"/>
+          <p:nvPr/>
+        </p:nvSpPr>
+        <p:spPr>
+          <a:xfrm>
+            <a:off x="607101" y="961584"/>
+            <a:ext cx="3153427" cy="307777"/>
+          </a:xfrm>
+          <a:prstGeom prst="rect">
+            <a:avLst/>
+          </a:prstGeom>
+          <a:noFill/>
+        </p:spPr>
+        <p:txBody>
+          <a:bodyPr wrap="none" rtlCol="0">
+            <a:spAutoFit/>
+          </a:bodyPr>
+          <a:lstStyle/>
+          <a:p>
+            <a:r>
+              <a:rPr lang="ko-KR" altLang="en-US" sz="1400" dirty="0"/>
+              <a:t>서비스개선요청 </a:t>
+            </a:r>
+            <a:r>
+              <a:rPr lang="en-US" altLang="ko-KR" sz="1400" dirty="0"/>
+              <a:t>: </a:t>
+            </a:r>
+            <a:r>
+              <a:rPr lang="ko-KR" altLang="en-US" sz="1400" dirty="0"/>
+              <a:t>제목 </a:t>
+            </a:r>
+            <a:r>
+              <a:rPr lang="en-US" altLang="ko-KR" sz="1400" dirty="0"/>
+              <a:t>1</a:t>
+            </a:r>
+            <a:r>
+              <a:rPr lang="ko-KR" altLang="en-US" sz="1400" dirty="0"/>
+              <a:t>줄 표시 및 </a:t>
+            </a:r>
+            <a:r>
+              <a:rPr lang="en-US" altLang="ko-KR" sz="1400" dirty="0"/>
+              <a:t>...</a:t>
+            </a:r>
+            <a:endParaRPr lang="ko-KR" altLang="en-US" sz="1400" dirty="0"/>
+          </a:p>
+        </p:txBody>
+      </p:sp>
       <p:pic>
         <p:nvPicPr>
-          <p:cNvPr id="2" name="그림 1"/>
+          <p:cNvPr id="6" name="그림 5"/>
           <p:cNvPicPr>
             <a:picLocks noChangeAspect="1"/>
           </p:cNvPicPr>
@@ -3615,77 +4055,17 @@
         </p:blipFill>
         <p:spPr>
           <a:xfrm>
-            <a:off x="1400461" y="2916609"/>
-            <a:ext cx="3724795" cy="1009791"/>
+            <a:off x="607101" y="1669693"/>
+            <a:ext cx="3743847" cy="1000265"/>
           </a:xfrm>
           <a:prstGeom prst="rect">
             <a:avLst/>
           </a:prstGeom>
         </p:spPr>
       </p:pic>
-      <p:sp>
-        <p:nvSpPr>
-          <p:cNvPr id="3" name="TextBox 2"/>
-          <p:cNvSpPr txBox="1"/>
-          <p:nvPr/>
-        </p:nvSpPr>
-        <p:spPr>
-          <a:xfrm>
-            <a:off x="5988570" y="3807502"/>
-            <a:ext cx="45719" cy="923330"/>
-          </a:xfrm>
-          <a:prstGeom prst="rect">
-            <a:avLst/>
-          </a:prstGeom>
-          <a:noFill/>
-        </p:spPr>
-        <p:txBody>
-          <a:bodyPr wrap="square" rtlCol="0">
-            <a:spAutoFit/>
-          </a:bodyPr>
-          <a:lstStyle/>
-          <a:p>
-            <a:r>
-              <a:rPr lang="ko-KR" altLang="en-US" dirty="0" err="1" smtClean="0"/>
-              <a:t>한줄로</a:t>
-            </a:r>
-            <a:endParaRPr lang="ko-KR" altLang="en-US" dirty="0"/>
-          </a:p>
-        </p:txBody>
-      </p:sp>
-      <p:sp>
-        <p:nvSpPr>
-          <p:cNvPr id="4" name="TextBox 3"/>
-          <p:cNvSpPr txBox="1"/>
-          <p:nvPr/>
-        </p:nvSpPr>
-        <p:spPr>
-          <a:xfrm>
-            <a:off x="1484026" y="4796852"/>
-            <a:ext cx="2507418" cy="369332"/>
-          </a:xfrm>
-          <a:prstGeom prst="rect">
-            <a:avLst/>
-          </a:prstGeom>
-          <a:noFill/>
-        </p:spPr>
-        <p:txBody>
-          <a:bodyPr wrap="none" rtlCol="0">
-            <a:spAutoFit/>
-          </a:bodyPr>
-          <a:lstStyle/>
-          <a:p>
-            <a:r>
-              <a:rPr lang="ko-KR" altLang="en-US" dirty="0" smtClean="0"/>
-              <a:t>상하 간격을 좀 줄이고</a:t>
-            </a:r>
-            <a:endParaRPr lang="ko-KR" altLang="en-US" dirty="0"/>
-          </a:p>
-        </p:txBody>
-      </p:sp>
       <p:pic>
         <p:nvPicPr>
-          <p:cNvPr id="5" name="그림 4"/>
+          <p:cNvPr id="10" name="그림 9"/>
           <p:cNvPicPr>
             <a:picLocks noChangeAspect="1"/>
           </p:cNvPicPr>
@@ -3699,24 +4079,135 @@
         </p:blipFill>
         <p:spPr>
           <a:xfrm>
-            <a:off x="7097614" y="1125914"/>
-            <a:ext cx="3943900" cy="933580"/>
+            <a:off x="5616766" y="1820328"/>
+            <a:ext cx="3696216" cy="571580"/>
           </a:xfrm>
           <a:prstGeom prst="rect">
             <a:avLst/>
           </a:prstGeom>
         </p:spPr>
       </p:pic>
-      <p:sp>
-        <p:nvSpPr>
-          <p:cNvPr id="8" name="TextBox 7"/>
+      <p:cxnSp>
+        <p:nvCxnSpPr>
+          <p:cNvPr id="12" name="직선 화살표 연결선 11"/>
+          <p:cNvCxnSpPr/>
+          <p:nvPr/>
+        </p:nvCxnSpPr>
+        <p:spPr>
+          <a:xfrm>
+            <a:off x="4474564" y="2106118"/>
+            <a:ext cx="704538" cy="0"/>
+          </a:xfrm>
+          <a:prstGeom prst="straightConnector1">
+            <a:avLst/>
+          </a:prstGeom>
+          <a:ln>
+            <a:tailEnd type="triangle"/>
+          </a:ln>
+        </p:spPr>
+        <p:style>
+          <a:lnRef idx="1">
+            <a:schemeClr val="accent1"/>
+          </a:lnRef>
+          <a:fillRef idx="0">
+            <a:schemeClr val="accent1"/>
+          </a:fillRef>
+          <a:effectRef idx="0">
+            <a:schemeClr val="accent1"/>
+          </a:effectRef>
+          <a:fontRef idx="minor">
+            <a:schemeClr val="tx1"/>
+          </a:fontRef>
+        </p:style>
+      </p:cxnSp>
+      <p:pic>
+        <p:nvPicPr>
+          <p:cNvPr id="13" name="그림 12"/>
+          <p:cNvPicPr>
+            <a:picLocks noChangeAspect="1"/>
+          </p:cNvPicPr>
+          <p:nvPr/>
+        </p:nvPicPr>
+        <p:blipFill>
+          <a:blip r:embed="rId4"/>
+          <a:stretch>
+            <a:fillRect/>
+          </a:stretch>
+        </p:blipFill>
+        <p:spPr>
+          <a:xfrm>
+            <a:off x="4193551" y="3378067"/>
+            <a:ext cx="2312180" cy="3384572"/>
+          </a:xfrm>
+          <a:prstGeom prst="rect">
+            <a:avLst/>
+          </a:prstGeom>
+        </p:spPr>
+      </p:pic>
+      <p:pic>
+        <p:nvPicPr>
+          <p:cNvPr id="14" name="그림 13"/>
+          <p:cNvPicPr>
+            <a:picLocks noChangeAspect="1"/>
+          </p:cNvPicPr>
+          <p:nvPr/>
+        </p:nvPicPr>
+        <p:blipFill>
+          <a:blip r:embed="rId5"/>
+          <a:stretch>
+            <a:fillRect/>
+          </a:stretch>
+        </p:blipFill>
+        <p:spPr>
+          <a:xfrm>
+            <a:off x="6963914" y="3599331"/>
+            <a:ext cx="3810532" cy="1495634"/>
+          </a:xfrm>
+          <a:prstGeom prst="rect">
+            <a:avLst/>
+          </a:prstGeom>
+        </p:spPr>
+      </p:pic>
+      <p:cxnSp>
+        <p:nvCxnSpPr>
+          <p:cNvPr id="16" name="직선 연결선 15"/>
+          <p:cNvCxnSpPr/>
+          <p:nvPr/>
+        </p:nvCxnSpPr>
+        <p:spPr>
+          <a:xfrm>
+            <a:off x="7172793" y="4227226"/>
+            <a:ext cx="749509" cy="0"/>
+          </a:xfrm>
+          <a:prstGeom prst="line">
+            <a:avLst/>
+          </a:prstGeom>
+        </p:spPr>
+        <p:style>
+          <a:lnRef idx="3">
+            <a:schemeClr val="accent2"/>
+          </a:lnRef>
+          <a:fillRef idx="0">
+            <a:schemeClr val="accent2"/>
+          </a:fillRef>
+          <a:effectRef idx="2">
+            <a:schemeClr val="accent2"/>
+          </a:effectRef>
+          <a:fontRef idx="minor">
+            <a:schemeClr val="tx1"/>
+          </a:fontRef>
+        </p:style>
+      </p:cxnSp>
+      <p:sp>
+        <p:nvSpPr>
+          <p:cNvPr id="17" name="TextBox 16"/>
           <p:cNvSpPr txBox="1"/>
           <p:nvPr/>
         </p:nvSpPr>
         <p:spPr>
           <a:xfrm>
-            <a:off x="7585023" y="2540833"/>
-            <a:ext cx="2969083" cy="369332"/>
+            <a:off x="7089812" y="5461250"/>
+            <a:ext cx="3583673" cy="307777"/>
           </a:xfrm>
           <a:prstGeom prst="rect">
             <a:avLst/>
@@ -3730,10 +4221,22 @@
           <a:lstStyle/>
           <a:p>
             <a:r>
-              <a:rPr lang="ko-KR" altLang="en-US" dirty="0" smtClean="0"/>
-              <a:t>누르면 나오는 화면 스크롤</a:t>
-            </a:r>
-            <a:endParaRPr lang="ko-KR" altLang="en-US" dirty="0"/>
+              <a:rPr lang="ko-KR" altLang="en-US" sz="1400" dirty="0" smtClean="0"/>
+              <a:t>폼 태그를 </a:t>
+            </a:r>
+            <a:r>
+              <a:rPr lang="en-US" altLang="ko-KR" sz="1400" dirty="0"/>
+              <a:t>layerWrap full </a:t>
+            </a:r>
+            <a:r>
+              <a:rPr lang="ko-KR" altLang="en-US" sz="1400" dirty="0" smtClean="0"/>
+              <a:t>위로 올려주세요</a:t>
+            </a:r>
+            <a:r>
+              <a:rPr lang="en-US" altLang="ko-KR" sz="1400" dirty="0" smtClean="0"/>
+              <a:t>.</a:t>
+            </a:r>
+            <a:endParaRPr lang="ko-KR" altLang="en-US" sz="1400" dirty="0"/>
           </a:p>
         </p:txBody>
       </p:sp>
@@ -3769,14 +4272,14 @@
       </p:grpSpPr>
       <p:sp>
         <p:nvSpPr>
-          <p:cNvPr id="2" name="TextBox 1"/>
+          <p:cNvPr id="3" name="TextBox 2"/>
           <p:cNvSpPr txBox="1"/>
           <p:nvPr/>
         </p:nvSpPr>
         <p:spPr>
           <a:xfrm>
-            <a:off x="3762531" y="2196059"/>
-            <a:ext cx="3743332" cy="369332"/>
+            <a:off x="607101" y="352269"/>
+            <a:ext cx="646331" cy="369332"/>
           </a:xfrm>
           <a:prstGeom prst="rect">
             <a:avLst/>
@@ -3791,17 +4294,256 @@
           <a:p>
             <a:r>
               <a:rPr lang="ko-KR" altLang="en-US" dirty="0" smtClean="0"/>
-              <a:t>가운데 </a:t>
-            </a:r>
-            <a:r>
-              <a:rPr lang="ko-KR" altLang="en-US" dirty="0" err="1" smtClean="0"/>
+              <a:t>공통</a:t>
+            </a:r>
+            <a:endParaRPr lang="ko-KR" altLang="en-US" dirty="0"/>
+          </a:p>
+        </p:txBody>
+      </p:sp>
+      <p:sp>
+        <p:nvSpPr>
+          <p:cNvPr id="4" name="TextBox 3"/>
+          <p:cNvSpPr txBox="1"/>
+          <p:nvPr/>
+        </p:nvSpPr>
+        <p:spPr>
+          <a:xfrm>
+            <a:off x="607101" y="961584"/>
+            <a:ext cx="4943982" cy="307777"/>
+          </a:xfrm>
+          <a:prstGeom prst="rect">
+            <a:avLst/>
+          </a:prstGeom>
+          <a:noFill/>
+        </p:spPr>
+        <p:txBody>
+          <a:bodyPr wrap="none" rtlCol="0">
+            <a:spAutoFit/>
+          </a:bodyPr>
+          <a:lstStyle/>
+          <a:p>
+            <a:r>
+              <a:rPr lang="en-US" altLang="ko-KR" sz="1400" dirty="0"/>
+              <a:t> PC </a:t>
+            </a:r>
+            <a:r>
+              <a:rPr lang="ko-KR" altLang="en-US" sz="1400" dirty="0" err="1"/>
+              <a:t>상태일때</a:t>
+            </a:r>
+            <a:r>
+              <a:rPr lang="ko-KR" altLang="en-US" sz="1400" dirty="0"/>
+              <a:t> </a:t>
+            </a:r>
+            <a:r>
+              <a:rPr lang="en-US" altLang="ko-KR" sz="1400" dirty="0"/>
+              <a:t>BOT, FULL </a:t>
+            </a:r>
+            <a:r>
+              <a:rPr lang="ko-KR" altLang="en-US" sz="1400" dirty="0"/>
+              <a:t>레이어 위치 </a:t>
+            </a:r>
+            <a:r>
+              <a:rPr lang="ko-KR" altLang="en-US" sz="1400" dirty="0" err="1"/>
+              <a:t>가운데용</a:t>
+            </a:r>
+            <a:r>
+              <a:rPr lang="ko-KR" altLang="en-US" sz="1400" dirty="0"/>
+              <a:t> </a:t>
+            </a:r>
+            <a:r>
+              <a:rPr lang="ko-KR" altLang="en-US" sz="1400" dirty="0" err="1"/>
               <a:t>모달</a:t>
             </a:r>
             <a:r>
-              <a:rPr lang="ko-KR" altLang="en-US" dirty="0" smtClean="0"/>
-              <a:t> 레이어 공통에 만들어</a:t>
-            </a:r>
-            <a:endParaRPr lang="ko-KR" altLang="en-US" dirty="0"/>
+              <a:rPr lang="ko-KR" altLang="en-US" sz="1400" dirty="0"/>
+              <a:t> </a:t>
+            </a:r>
+            <a:r>
+              <a:rPr lang="ko-KR" altLang="en-US" sz="1400" dirty="0" err="1"/>
+              <a:t>팝업창</a:t>
+            </a:r>
+            <a:endParaRPr lang="ko-KR" altLang="en-US" sz="1400" dirty="0"/>
+          </a:p>
+        </p:txBody>
+      </p:sp>
+      <p:pic>
+        <p:nvPicPr>
+          <p:cNvPr id="5" name="그림 4"/>
+          <p:cNvPicPr>
+            <a:picLocks noChangeAspect="1"/>
+          </p:cNvPicPr>
+          <p:nvPr/>
+        </p:nvPicPr>
+        <p:blipFill>
+          <a:blip r:embed="rId2"/>
+          <a:stretch>
+            <a:fillRect/>
+          </a:stretch>
+        </p:blipFill>
+        <p:spPr>
+          <a:xfrm>
+            <a:off x="607101" y="1957960"/>
+            <a:ext cx="4458322" cy="4096322"/>
+          </a:xfrm>
+          <a:prstGeom prst="rect">
+            <a:avLst/>
+          </a:prstGeom>
+        </p:spPr>
+      </p:pic>
+      <p:pic>
+        <p:nvPicPr>
+          <p:cNvPr id="6" name="그림 5"/>
+          <p:cNvPicPr>
+            <a:picLocks noChangeAspect="1"/>
+          </p:cNvPicPr>
+          <p:nvPr/>
+        </p:nvPicPr>
+        <p:blipFill>
+          <a:blip r:embed="rId3"/>
+          <a:stretch>
+            <a:fillRect/>
+          </a:stretch>
+        </p:blipFill>
+        <p:spPr>
+          <a:xfrm>
+            <a:off x="5551083" y="2012712"/>
+            <a:ext cx="5449060" cy="419158"/>
+          </a:xfrm>
+          <a:prstGeom prst="rect">
+            <a:avLst/>
+          </a:prstGeom>
+        </p:spPr>
+      </p:pic>
+      <p:pic>
+        <p:nvPicPr>
+          <p:cNvPr id="8" name="그림 7"/>
+          <p:cNvPicPr>
+            <a:picLocks noChangeAspect="1"/>
+          </p:cNvPicPr>
+          <p:nvPr/>
+        </p:nvPicPr>
+        <p:blipFill>
+          <a:blip r:embed="rId4"/>
+          <a:stretch>
+            <a:fillRect/>
+          </a:stretch>
+        </p:blipFill>
+        <p:spPr>
+          <a:xfrm>
+            <a:off x="5551083" y="2903720"/>
+            <a:ext cx="4115374" cy="543001"/>
+          </a:xfrm>
+          <a:prstGeom prst="rect">
+            <a:avLst/>
+          </a:prstGeom>
+        </p:spPr>
+      </p:pic>
+      <p:cxnSp>
+        <p:nvCxnSpPr>
+          <p:cNvPr id="10" name="직선 연결선 9"/>
+          <p:cNvCxnSpPr/>
+          <p:nvPr/>
+        </p:nvCxnSpPr>
+        <p:spPr>
+          <a:xfrm>
+            <a:off x="7187783" y="3235181"/>
+            <a:ext cx="697043" cy="0"/>
+          </a:xfrm>
+          <a:prstGeom prst="line">
+            <a:avLst/>
+          </a:prstGeom>
+        </p:spPr>
+        <p:style>
+          <a:lnRef idx="3">
+            <a:schemeClr val="accent2"/>
+          </a:lnRef>
+          <a:fillRef idx="0">
+            <a:schemeClr val="accent2"/>
+          </a:fillRef>
+          <a:effectRef idx="2">
+            <a:schemeClr val="accent2"/>
+          </a:effectRef>
+          <a:fontRef idx="minor">
+            <a:schemeClr val="tx1"/>
+          </a:fontRef>
+        </p:style>
+      </p:cxnSp>
+      <p:cxnSp>
+        <p:nvCxnSpPr>
+          <p:cNvPr id="12" name="직선 화살표 연결선 11"/>
+          <p:cNvCxnSpPr/>
+          <p:nvPr/>
+        </p:nvCxnSpPr>
+        <p:spPr>
+          <a:xfrm flipV="1">
+            <a:off x="7431368" y="3446721"/>
+            <a:ext cx="0" cy="559400"/>
+          </a:xfrm>
+          <a:prstGeom prst="straightConnector1">
+            <a:avLst/>
+          </a:prstGeom>
+          <a:ln>
+            <a:tailEnd type="triangle"/>
+          </a:ln>
+        </p:spPr>
+        <p:style>
+          <a:lnRef idx="1">
+            <a:schemeClr val="accent1"/>
+          </a:lnRef>
+          <a:fillRef idx="0">
+            <a:schemeClr val="accent1"/>
+          </a:fillRef>
+          <a:effectRef idx="0">
+            <a:schemeClr val="accent1"/>
+          </a:effectRef>
+          <a:fontRef idx="minor">
+            <a:schemeClr val="tx1"/>
+          </a:fontRef>
+        </p:style>
+      </p:cxnSp>
+      <p:sp>
+        <p:nvSpPr>
+          <p:cNvPr id="13" name="TextBox 12"/>
+          <p:cNvSpPr txBox="1"/>
+          <p:nvPr/>
+        </p:nvSpPr>
+        <p:spPr>
+          <a:xfrm>
+            <a:off x="6291216" y="4131226"/>
+            <a:ext cx="3187219" cy="307777"/>
+          </a:xfrm>
+          <a:prstGeom prst="rect">
+            <a:avLst/>
+          </a:prstGeom>
+          <a:noFill/>
+        </p:spPr>
+        <p:txBody>
+          <a:bodyPr wrap="none" rtlCol="0">
+            <a:spAutoFit/>
+          </a:bodyPr>
+          <a:lstStyle/>
+          <a:p>
+            <a:r>
+              <a:rPr lang="en-US" altLang="ko-KR" sz="1400" dirty="0"/>
+              <a:t>typeBot </a:t>
+            </a:r>
+            <a:r>
+              <a:rPr lang="ko-KR" altLang="en-US" sz="1400" dirty="0" smtClean="0"/>
+              <a:t>대신 </a:t>
+            </a:r>
+            <a:r>
+              <a:rPr lang="en-US" altLang="ko-KR" sz="1400" dirty="0" smtClean="0"/>
+              <a:t>typeCenter </a:t>
+            </a:r>
+            <a:r>
+              <a:rPr lang="ko-KR" altLang="en-US" sz="1400" dirty="0" smtClean="0"/>
+              <a:t>넣어주세요</a:t>
+            </a:r>
+            <a:r>
+              <a:rPr lang="en-US" altLang="ko-KR" sz="1400" dirty="0" smtClean="0"/>
+              <a:t>.</a:t>
+            </a:r>
+            <a:endParaRPr lang="ko-KR" altLang="en-US" sz="1400" dirty="0"/>
           </a:p>
         </p:txBody>
       </p:sp>
@@ -3835,9 +4577,73 @@
           <a:chExt cx="0" cy="0"/>
         </a:xfrm>
       </p:grpSpPr>
+      <p:sp>
+        <p:nvSpPr>
+          <p:cNvPr id="4" name="TextBox 3"/>
+          <p:cNvSpPr txBox="1"/>
+          <p:nvPr/>
+        </p:nvSpPr>
+        <p:spPr>
+          <a:xfrm>
+            <a:off x="607101" y="961584"/>
+            <a:ext cx="3051669" cy="307777"/>
+          </a:xfrm>
+          <a:prstGeom prst="rect">
+            <a:avLst/>
+          </a:prstGeom>
+          <a:noFill/>
+        </p:spPr>
+        <p:txBody>
+          <a:bodyPr wrap="none" rtlCol="0">
+            <a:spAutoFit/>
+          </a:bodyPr>
+          <a:lstStyle/>
+          <a:p>
+            <a:r>
+              <a:rPr lang="en-US" altLang="ko-KR" sz="1400" dirty="0"/>
+              <a:t>chatbotAniText 0.5s 8s 4s-&gt;8s </a:t>
+            </a:r>
+            <a:r>
+              <a:rPr lang="ko-KR" altLang="en-US" sz="1400" dirty="0"/>
+              <a:t>변경</a:t>
+            </a:r>
+            <a:endParaRPr lang="ko-KR" altLang="en-US" sz="1400" dirty="0"/>
+          </a:p>
+        </p:txBody>
+      </p:sp>
+      <p:cxnSp>
+        <p:nvCxnSpPr>
+          <p:cNvPr id="5" name="직선 연결선 4"/>
+          <p:cNvCxnSpPr/>
+          <p:nvPr/>
+        </p:nvCxnSpPr>
+        <p:spPr>
+          <a:xfrm>
+            <a:off x="8386997" y="2057400"/>
+            <a:ext cx="359764" cy="0"/>
+          </a:xfrm>
+          <a:prstGeom prst="line">
+            <a:avLst/>
+          </a:prstGeom>
+        </p:spPr>
+        <p:style>
+          <a:lnRef idx="1">
+            <a:schemeClr val="accent1"/>
+          </a:lnRef>
+          <a:fillRef idx="0">
+            <a:schemeClr val="accent1"/>
+          </a:fillRef>
+          <a:effectRef idx="0">
+            <a:schemeClr val="accent1"/>
+          </a:effectRef>
+          <a:fontRef idx="minor">
+            <a:schemeClr val="tx1"/>
+          </a:fontRef>
+        </p:style>
+      </p:cxnSp>
       <p:pic>
         <p:nvPicPr>
-          <p:cNvPr id="3" name="그림 2"/>
+          <p:cNvPr id="6" name="그림 5"/>
           <p:cNvPicPr>
             <a:picLocks noChangeAspect="1"/>
           </p:cNvPicPr>
@@ -3851,14 +4657,174 @@
         </p:blipFill>
         <p:spPr>
           <a:xfrm>
-            <a:off x="1656730" y="2995552"/>
-            <a:ext cx="8878539" cy="866896"/>
+            <a:off x="194873" y="1751966"/>
+            <a:ext cx="11890082" cy="610867"/>
           </a:xfrm>
           <a:prstGeom prst="rect">
             <a:avLst/>
           </a:prstGeom>
         </p:spPr>
       </p:pic>
+      <p:cxnSp>
+        <p:nvCxnSpPr>
+          <p:cNvPr id="7" name="직선 연결선 6"/>
+          <p:cNvCxnSpPr/>
+          <p:nvPr/>
+        </p:nvCxnSpPr>
+        <p:spPr>
+          <a:xfrm>
+            <a:off x="3497626" y="2178374"/>
+            <a:ext cx="322288" cy="0"/>
+          </a:xfrm>
+          <a:prstGeom prst="line">
+            <a:avLst/>
+          </a:prstGeom>
+        </p:spPr>
+        <p:style>
+          <a:lnRef idx="3">
+            <a:schemeClr val="accent2"/>
+          </a:lnRef>
+          <a:fillRef idx="0">
+            <a:schemeClr val="accent2"/>
+          </a:fillRef>
+          <a:effectRef idx="2">
+            <a:schemeClr val="accent2"/>
+          </a:effectRef>
+          <a:fontRef idx="minor">
+            <a:schemeClr val="tx1"/>
+          </a:fontRef>
+        </p:style>
+      </p:cxnSp>
+      <p:cxnSp>
+        <p:nvCxnSpPr>
+          <p:cNvPr id="10" name="직선 연결선 9"/>
+          <p:cNvCxnSpPr/>
+          <p:nvPr/>
+        </p:nvCxnSpPr>
+        <p:spPr>
+          <a:xfrm>
+            <a:off x="8951626" y="2057400"/>
+            <a:ext cx="322288" cy="0"/>
+          </a:xfrm>
+          <a:prstGeom prst="line">
+            <a:avLst/>
+          </a:prstGeom>
+        </p:spPr>
+        <p:style>
+          <a:lnRef idx="3">
+            <a:schemeClr val="accent2"/>
+          </a:lnRef>
+          <a:fillRef idx="0">
+            <a:schemeClr val="accent2"/>
+          </a:fillRef>
+          <a:effectRef idx="2">
+            <a:schemeClr val="accent2"/>
+          </a:effectRef>
+          <a:fontRef idx="minor">
+            <a:schemeClr val="tx1"/>
+          </a:fontRef>
+        </p:style>
+      </p:cxnSp>
+      <p:cxnSp>
+        <p:nvCxnSpPr>
+          <p:cNvPr id="12" name="직선 화살표 연결선 11"/>
+          <p:cNvCxnSpPr/>
+          <p:nvPr/>
+        </p:nvCxnSpPr>
+        <p:spPr>
+          <a:xfrm flipV="1">
+            <a:off x="6820525" y="2136098"/>
+            <a:ext cx="2031167" cy="854440"/>
+          </a:xfrm>
+          <a:prstGeom prst="straightConnector1">
+            <a:avLst/>
+          </a:prstGeom>
+          <a:ln>
+            <a:tailEnd type="triangle"/>
+          </a:ln>
+        </p:spPr>
+        <p:style>
+          <a:lnRef idx="1">
+            <a:schemeClr val="accent1"/>
+          </a:lnRef>
+          <a:fillRef idx="0">
+            <a:schemeClr val="accent1"/>
+          </a:fillRef>
+          <a:effectRef idx="0">
+            <a:schemeClr val="accent1"/>
+          </a:effectRef>
+          <a:fontRef idx="minor">
+            <a:schemeClr val="tx1"/>
+          </a:fontRef>
+        </p:style>
+      </p:cxnSp>
+      <p:cxnSp>
+        <p:nvCxnSpPr>
+          <p:cNvPr id="17" name="직선 화살표 연결선 16"/>
+          <p:cNvCxnSpPr/>
+          <p:nvPr/>
+        </p:nvCxnSpPr>
+        <p:spPr>
+          <a:xfrm flipH="1" flipV="1">
+            <a:off x="3819914" y="2248525"/>
+            <a:ext cx="2700807" cy="742013"/>
+          </a:xfrm>
+          <a:prstGeom prst="straightConnector1">
+            <a:avLst/>
+          </a:prstGeom>
+          <a:ln>
+            <a:tailEnd type="triangle"/>
+          </a:ln>
+        </p:spPr>
+        <p:style>
+          <a:lnRef idx="1">
+            <a:schemeClr val="accent1"/>
+          </a:lnRef>
+          <a:fillRef idx="0">
+            <a:schemeClr val="accent1"/>
+          </a:fillRef>
+          <a:effectRef idx="0">
+            <a:schemeClr val="accent1"/>
+          </a:effectRef>
+          <a:fontRef idx="minor">
+            <a:schemeClr val="tx1"/>
+          </a:fontRef>
+        </p:style>
+      </p:cxnSp>
+      <p:sp>
+        <p:nvSpPr>
+          <p:cNvPr id="18" name="TextBox 17"/>
+          <p:cNvSpPr txBox="1"/>
+          <p:nvPr/>
+        </p:nvSpPr>
+        <p:spPr>
+          <a:xfrm>
+            <a:off x="6039747" y="3069235"/>
+            <a:ext cx="1386918" cy="307777"/>
+          </a:xfrm>
+          <a:prstGeom prst="rect">
+            <a:avLst/>
+          </a:prstGeom>
+          <a:noFill/>
+        </p:spPr>
+        <p:txBody>
+          <a:bodyPr wrap="none" rtlCol="0">
+            <a:spAutoFit/>
+          </a:bodyPr>
+          <a:lstStyle/>
+          <a:p>
+            <a:r>
+              <a:rPr lang="ko-KR" altLang="en-US" sz="1400" dirty="0" err="1" smtClean="0"/>
+              <a:t>챗봇</a:t>
+            </a:r>
+            <a:r>
+              <a:rPr lang="ko-KR" altLang="en-US" sz="1400" dirty="0" smtClean="0"/>
+              <a:t> 속도 조절</a:t>
+            </a:r>
+            <a:endParaRPr lang="ko-KR" altLang="en-US" sz="1400" dirty="0"/>
+          </a:p>
+        </p:txBody>
+      </p:sp>
     </p:spTree>
     <p:extLst>
       <p:ext uri="{BB962C8B-B14F-4D97-AF65-F5344CB8AC3E}">
@@ -3946,7 +4912,7 @@
         <p:spPr>
           <a:xfrm>
             <a:off x="1191718" y="4062334"/>
-            <a:ext cx="1733167" cy="369332"/>
+            <a:ext cx="1386918" cy="307777"/>
           </a:xfrm>
           <a:prstGeom prst="rect">
             <a:avLst/>
@@ -3960,10 +4926,10 @@
           <a:lstStyle/>
           <a:p>
             <a:r>
-              <a:rPr lang="ko-KR" altLang="en-US" dirty="0" smtClean="0"/>
+              <a:rPr lang="ko-KR" altLang="en-US" sz="1400" dirty="0" smtClean="0"/>
               <a:t>스크롤 바 수정</a:t>
             </a:r>
-            <a:endParaRPr lang="ko-KR" altLang="en-US" dirty="0"/>
+            <a:endParaRPr lang="ko-KR" altLang="en-US" sz="1400" dirty="0"/>
           </a:p>
         </p:txBody>
       </p:sp>
@@ -3975,8 +4941,8 @@
         </p:nvSpPr>
         <p:spPr>
           <a:xfrm>
-            <a:off x="7105338" y="4062334"/>
-            <a:ext cx="1420582" cy="369332"/>
+            <a:off x="8830027" y="2293666"/>
+            <a:ext cx="1144865" cy="307777"/>
           </a:xfrm>
           <a:prstGeom prst="rect">
             <a:avLst/>
@@ -3990,13 +4956,203 @@
           <a:lstStyle/>
           <a:p>
             <a:r>
-              <a:rPr lang="ko-KR" altLang="en-US" dirty="0" smtClean="0"/>
+              <a:rPr lang="ko-KR" altLang="en-US" sz="1400" dirty="0" smtClean="0"/>
               <a:t>아이콘 이상</a:t>
             </a:r>
-            <a:endParaRPr lang="ko-KR" altLang="en-US" dirty="0"/>
-          </a:p>
-        </p:txBody>
-      </p:sp>
+            <a:endParaRPr lang="ko-KR" altLang="en-US" sz="1400" dirty="0"/>
+          </a:p>
+        </p:txBody>
+      </p:sp>
+      <p:sp>
+        <p:nvSpPr>
+          <p:cNvPr id="7" name="TextBox 6"/>
+          <p:cNvSpPr txBox="1"/>
+          <p:nvPr/>
+        </p:nvSpPr>
+        <p:spPr>
+          <a:xfrm>
+            <a:off x="607101" y="961584"/>
+            <a:ext cx="4110421" cy="307777"/>
+          </a:xfrm>
+          <a:prstGeom prst="rect">
+            <a:avLst/>
+          </a:prstGeom>
+          <a:noFill/>
+        </p:spPr>
+        <p:txBody>
+          <a:bodyPr wrap="none" rtlCol="0">
+            <a:spAutoFit/>
+          </a:bodyPr>
+          <a:lstStyle/>
+          <a:p>
+            <a:r>
+              <a:rPr lang="en-US" altLang="ko-KR" sz="1400" dirty="0"/>
+              <a:t>PC </a:t>
+            </a:r>
+            <a:r>
+              <a:rPr lang="ko-KR" altLang="en-US" sz="1400" dirty="0"/>
+              <a:t>버전 </a:t>
+            </a:r>
+            <a:r>
+              <a:rPr lang="ko-KR" altLang="en-US" sz="1400" dirty="0" err="1"/>
+              <a:t>스크롤바</a:t>
+            </a:r>
+            <a:r>
+              <a:rPr lang="ko-KR" altLang="en-US" sz="1400" dirty="0"/>
+              <a:t> </a:t>
+            </a:r>
+            <a:r>
+              <a:rPr lang="ko-KR" altLang="en-US" sz="1400" dirty="0" smtClean="0"/>
+              <a:t>디자인</a:t>
+            </a:r>
+            <a:r>
+              <a:rPr lang="en-US" altLang="ko-KR" sz="1400" dirty="0" smtClean="0"/>
+              <a:t>, </a:t>
+            </a:r>
+            <a:r>
+              <a:rPr lang="ko-KR" altLang="en-US" sz="1400" dirty="0"/>
+              <a:t>기상 날씨 클래스 코드</a:t>
+            </a:r>
+            <a:endParaRPr lang="ko-KR" altLang="en-US" sz="1400" dirty="0"/>
+          </a:p>
+        </p:txBody>
+      </p:sp>
+      <p:sp>
+        <p:nvSpPr>
+          <p:cNvPr id="8" name="TextBox 7"/>
+          <p:cNvSpPr txBox="1"/>
+          <p:nvPr/>
+        </p:nvSpPr>
+        <p:spPr>
+          <a:xfrm>
+            <a:off x="6947942" y="3600908"/>
+            <a:ext cx="2454518" cy="373885"/>
+          </a:xfrm>
+          <a:prstGeom prst="rect">
+            <a:avLst/>
+          </a:prstGeom>
+          <a:noFill/>
+        </p:spPr>
+        <p:txBody>
+          <a:bodyPr wrap="none" rtlCol="0">
+            <a:spAutoFit/>
+          </a:bodyPr>
+          <a:lstStyle/>
+          <a:p>
+            <a:pPr>
+              <a:lnSpc>
+                <a:spcPct val="150000"/>
+              </a:lnSpc>
+            </a:pPr>
+            <a:r>
+              <a:rPr lang="en-US" altLang="ko-KR" sz="1400" dirty="0"/>
+              <a:t>CSS </a:t>
+            </a:r>
+            <a:r>
+              <a:rPr lang="ko-KR" altLang="en-US" sz="1400" dirty="0"/>
+              <a:t>적용하면 </a:t>
+            </a:r>
+            <a:r>
+              <a:rPr lang="ko-KR" altLang="en-US" sz="1400" dirty="0" err="1"/>
+              <a:t>해결될거에요</a:t>
+            </a:r>
+            <a:r>
+              <a:rPr lang="en-US" altLang="ko-KR" sz="1400" dirty="0"/>
+              <a:t>.</a:t>
+            </a:r>
+          </a:p>
+        </p:txBody>
+      </p:sp>
+      <p:pic>
+        <p:nvPicPr>
+          <p:cNvPr id="3" name="그림 2"/>
+          <p:cNvPicPr>
+            <a:picLocks noChangeAspect="1"/>
+          </p:cNvPicPr>
+          <p:nvPr/>
+        </p:nvPicPr>
+        <p:blipFill>
+          <a:blip r:embed="rId4"/>
+          <a:stretch>
+            <a:fillRect/>
+          </a:stretch>
+        </p:blipFill>
+        <p:spPr>
+          <a:xfrm>
+            <a:off x="1028722" y="4635651"/>
+            <a:ext cx="4239217" cy="1933845"/>
+          </a:xfrm>
+          <a:prstGeom prst="rect">
+            <a:avLst/>
+          </a:prstGeom>
+        </p:spPr>
+      </p:pic>
+      <p:cxnSp>
+        <p:nvCxnSpPr>
+          <p:cNvPr id="10" name="직선 화살표 연결선 9"/>
+          <p:cNvCxnSpPr/>
+          <p:nvPr/>
+        </p:nvCxnSpPr>
+        <p:spPr>
+          <a:xfrm>
+            <a:off x="3575154" y="3545174"/>
+            <a:ext cx="0" cy="914400"/>
+          </a:xfrm>
+          <a:prstGeom prst="straightConnector1">
+            <a:avLst/>
+          </a:prstGeom>
+          <a:ln>
+            <a:tailEnd type="triangle"/>
+          </a:ln>
+        </p:spPr>
+        <p:style>
+          <a:lnRef idx="1">
+            <a:schemeClr val="accent1"/>
+          </a:lnRef>
+          <a:fillRef idx="0">
+            <a:schemeClr val="accent1"/>
+          </a:fillRef>
+          <a:effectRef idx="0">
+            <a:schemeClr val="accent1"/>
+          </a:effectRef>
+          <a:fontRef idx="minor">
+            <a:schemeClr val="tx1"/>
+          </a:fontRef>
+        </p:style>
+      </p:cxnSp>
+      <p:cxnSp>
+        <p:nvCxnSpPr>
+          <p:cNvPr id="12" name="직선 화살표 연결선 11"/>
+          <p:cNvCxnSpPr/>
+          <p:nvPr/>
+        </p:nvCxnSpPr>
+        <p:spPr>
+          <a:xfrm flipV="1">
+            <a:off x="7322695" y="2983043"/>
+            <a:ext cx="0" cy="562131"/>
+          </a:xfrm>
+          <a:prstGeom prst="straightConnector1">
+            <a:avLst/>
+          </a:prstGeom>
+          <a:ln>
+            <a:tailEnd type="triangle"/>
+          </a:ln>
+        </p:spPr>
+        <p:style>
+          <a:lnRef idx="1">
+            <a:schemeClr val="accent1"/>
+          </a:lnRef>
+          <a:fillRef idx="0">
+            <a:schemeClr val="accent1"/>
+          </a:fillRef>
+          <a:effectRef idx="0">
+            <a:schemeClr val="accent1"/>
+          </a:effectRef>
+          <a:fontRef idx="minor">
+            <a:schemeClr val="tx1"/>
+          </a:fontRef>
+        </p:style>
+      </p:cxnSp>
     </p:spTree>
     <p:extLst>
       <p:ext uri="{BB962C8B-B14F-4D97-AF65-F5344CB8AC3E}">

--- a/ppt/03-28.pptx
+++ b/ppt/03-28.pptx
@@ -12,6 +12,7 @@
     <p:sldId id="261" r:id="rId6"/>
     <p:sldId id="262" r:id="rId7"/>
     <p:sldId id="263" r:id="rId8"/>
+    <p:sldId id="264" r:id="rId9"/>
   </p:sldIdLst>
   <p:sldSz cx="12192000" cy="6858000"/>
   <p:notesSz cx="6858000" cy="9144000"/>
@@ -3650,7 +3651,6 @@
               <a:rPr lang="en-US" altLang="ko-KR" sz="1400" dirty="0" smtClean="0"/>
               <a:t>.</a:t>
             </a:r>
-            <a:endParaRPr lang="en-US" altLang="ko-KR" sz="1400" dirty="0" smtClean="0"/>
           </a:p>
         </p:txBody>
       </p:sp>
@@ -4607,7 +4607,6 @@
               <a:rPr lang="ko-KR" altLang="en-US" sz="1400" dirty="0"/>
               <a:t>변경</a:t>
             </a:r>
-            <a:endParaRPr lang="ko-KR" altLang="en-US" sz="1400" dirty="0"/>
           </a:p>
         </p:txBody>
       </p:sp>
@@ -5013,7 +5012,6 @@
               <a:rPr lang="ko-KR" altLang="en-US" sz="1400" dirty="0"/>
               <a:t>기상 날씨 클래스 코드</a:t>
             </a:r>
-            <a:endParaRPr lang="ko-KR" altLang="en-US" sz="1400" dirty="0"/>
           </a:p>
         </p:txBody>
       </p:sp>
@@ -5157,6 +5155,322 @@
     <p:extLst>
       <p:ext uri="{BB962C8B-B14F-4D97-AF65-F5344CB8AC3E}">
         <p14:creationId xmlns:p14="http://schemas.microsoft.com/office/powerpoint/2010/main" val="2165326684"/>
+      </p:ext>
+    </p:extLst>
+  </p:cSld>
+  <p:clrMapOvr>
+    <a:masterClrMapping/>
+  </p:clrMapOvr>
+</p:sld>
+</file>
+
+<file path=ppt/slides/slide8.xml><?xml version="1.0" encoding="utf-8"?>
+<p:sld xmlns:a="http://schemas.openxmlformats.org/drawingml/2006/main" xmlns:r="http://schemas.openxmlformats.org/officeDocument/2006/relationships" xmlns:p="http://schemas.openxmlformats.org/presentationml/2006/main">
+  <p:cSld>
+    <p:spTree>
+      <p:nvGrpSpPr>
+        <p:cNvPr id="1" name=""/>
+        <p:cNvGrpSpPr/>
+        <p:nvPr/>
+      </p:nvGrpSpPr>
+      <p:grpSpPr>
+        <a:xfrm>
+          <a:off x="0" y="0"/>
+          <a:ext cx="0" cy="0"/>
+          <a:chOff x="0" y="0"/>
+          <a:chExt cx="0" cy="0"/>
+        </a:xfrm>
+      </p:grpSpPr>
+      <p:sp>
+        <p:nvSpPr>
+          <p:cNvPr id="11" name="TextBox 10"/>
+          <p:cNvSpPr txBox="1"/>
+          <p:nvPr/>
+        </p:nvSpPr>
+        <p:spPr>
+          <a:xfrm>
+            <a:off x="607101" y="352269"/>
+            <a:ext cx="1872629" cy="369332"/>
+          </a:xfrm>
+          <a:prstGeom prst="rect">
+            <a:avLst/>
+          </a:prstGeom>
+          <a:noFill/>
+        </p:spPr>
+        <p:txBody>
+          <a:bodyPr wrap="none" rtlCol="0">
+            <a:spAutoFit/>
+          </a:bodyPr>
+          <a:lstStyle/>
+          <a:p>
+            <a:r>
+              <a:rPr lang="en-US" altLang="ko-KR" dirty="0"/>
+              <a:t>UI-SJN-03-001U</a:t>
+            </a:r>
+            <a:endParaRPr lang="ko-KR" altLang="en-US" dirty="0"/>
+          </a:p>
+        </p:txBody>
+      </p:sp>
+      <p:pic>
+        <p:nvPicPr>
+          <p:cNvPr id="9" name="그림 8"/>
+          <p:cNvPicPr>
+            <a:picLocks noChangeAspect="1"/>
+          </p:cNvPicPr>
+          <p:nvPr/>
+        </p:nvPicPr>
+        <p:blipFill>
+          <a:blip r:embed="rId2"/>
+          <a:stretch>
+            <a:fillRect/>
+          </a:stretch>
+        </p:blipFill>
+        <p:spPr>
+          <a:xfrm>
+            <a:off x="695435" y="1819538"/>
+            <a:ext cx="2881233" cy="2107885"/>
+          </a:xfrm>
+          <a:prstGeom prst="rect">
+            <a:avLst/>
+          </a:prstGeom>
+        </p:spPr>
+      </p:pic>
+      <p:pic>
+        <p:nvPicPr>
+          <p:cNvPr id="13" name="그림 12"/>
+          <p:cNvPicPr>
+            <a:picLocks noChangeAspect="1"/>
+          </p:cNvPicPr>
+          <p:nvPr/>
+        </p:nvPicPr>
+        <p:blipFill>
+          <a:blip r:embed="rId3"/>
+          <a:stretch>
+            <a:fillRect/>
+          </a:stretch>
+        </p:blipFill>
+        <p:spPr>
+          <a:xfrm>
+            <a:off x="4524127" y="1933798"/>
+            <a:ext cx="2972548" cy="3320254"/>
+          </a:xfrm>
+          <a:prstGeom prst="rect">
+            <a:avLst/>
+          </a:prstGeom>
+        </p:spPr>
+      </p:pic>
+      <p:cxnSp>
+        <p:nvCxnSpPr>
+          <p:cNvPr id="15" name="직선 화살표 연결선 14"/>
+          <p:cNvCxnSpPr/>
+          <p:nvPr/>
+        </p:nvCxnSpPr>
+        <p:spPr>
+          <a:xfrm>
+            <a:off x="3717561" y="3020518"/>
+            <a:ext cx="674557" cy="0"/>
+          </a:xfrm>
+          <a:prstGeom prst="straightConnector1">
+            <a:avLst/>
+          </a:prstGeom>
+          <a:ln>
+            <a:tailEnd type="triangle"/>
+          </a:ln>
+        </p:spPr>
+        <p:style>
+          <a:lnRef idx="1">
+            <a:schemeClr val="accent1"/>
+          </a:lnRef>
+          <a:fillRef idx="0">
+            <a:schemeClr val="accent1"/>
+          </a:fillRef>
+          <a:effectRef idx="0">
+            <a:schemeClr val="accent1"/>
+          </a:effectRef>
+          <a:fontRef idx="minor">
+            <a:schemeClr val="tx1"/>
+          </a:fontRef>
+        </p:style>
+      </p:cxnSp>
+      <p:sp>
+        <p:nvSpPr>
+          <p:cNvPr id="16" name="TextBox 15"/>
+          <p:cNvSpPr txBox="1"/>
+          <p:nvPr/>
+        </p:nvSpPr>
+        <p:spPr>
+          <a:xfrm>
+            <a:off x="1019332" y="4372901"/>
+            <a:ext cx="2768707" cy="697050"/>
+          </a:xfrm>
+          <a:prstGeom prst="rect">
+            <a:avLst/>
+          </a:prstGeom>
+          <a:noFill/>
+        </p:spPr>
+        <p:txBody>
+          <a:bodyPr wrap="none" rtlCol="0">
+            <a:spAutoFit/>
+          </a:bodyPr>
+          <a:lstStyle/>
+          <a:p>
+            <a:pPr>
+              <a:lnSpc>
+                <a:spcPct val="150000"/>
+              </a:lnSpc>
+            </a:pPr>
+            <a:r>
+              <a:rPr lang="ko-KR" altLang="en-US" sz="1400" dirty="0" smtClean="0"/>
+              <a:t>직접 순서와 항목 변경하여 보기</a:t>
+            </a:r>
+            <a:endParaRPr lang="en-US" altLang="ko-KR" sz="1400" dirty="0" smtClean="0"/>
+          </a:p>
+          <a:p>
+            <a:pPr>
+              <a:lnSpc>
+                <a:spcPct val="150000"/>
+              </a:lnSpc>
+            </a:pPr>
+            <a:r>
+              <a:rPr lang="ko-KR" altLang="en-US" sz="1400" dirty="0" err="1" smtClean="0"/>
+              <a:t>선택시</a:t>
+            </a:r>
+            <a:r>
+              <a:rPr lang="ko-KR" altLang="en-US" sz="1400" dirty="0" smtClean="0"/>
+              <a:t> </a:t>
+            </a:r>
+            <a:r>
+              <a:rPr lang="ko-KR" altLang="en-US" sz="1400" dirty="0" err="1" smtClean="0"/>
+              <a:t>나타남니다</a:t>
+            </a:r>
+            <a:r>
+              <a:rPr lang="en-US" altLang="ko-KR" sz="1400" dirty="0" smtClean="0"/>
+              <a:t>.</a:t>
+            </a:r>
+            <a:endParaRPr lang="en-US" altLang="ko-KR" sz="1400" dirty="0"/>
+          </a:p>
+        </p:txBody>
+      </p:sp>
+      <p:pic>
+        <p:nvPicPr>
+          <p:cNvPr id="17" name="그림 16"/>
+          <p:cNvPicPr>
+            <a:picLocks noChangeAspect="1"/>
+          </p:cNvPicPr>
+          <p:nvPr/>
+        </p:nvPicPr>
+        <p:blipFill>
+          <a:blip r:embed="rId4"/>
+          <a:stretch>
+            <a:fillRect/>
+          </a:stretch>
+        </p:blipFill>
+        <p:spPr>
+          <a:xfrm>
+            <a:off x="7693056" y="1247306"/>
+            <a:ext cx="4337279" cy="3125595"/>
+          </a:xfrm>
+          <a:prstGeom prst="rect">
+            <a:avLst/>
+          </a:prstGeom>
+        </p:spPr>
+      </p:pic>
+      <p:cxnSp>
+        <p:nvCxnSpPr>
+          <p:cNvPr id="19" name="직선 연결선 18"/>
+          <p:cNvCxnSpPr/>
+          <p:nvPr/>
+        </p:nvCxnSpPr>
+        <p:spPr>
+          <a:xfrm>
+            <a:off x="7922302" y="2012429"/>
+            <a:ext cx="0" cy="2079886"/>
+          </a:xfrm>
+          <a:prstGeom prst="line">
+            <a:avLst/>
+          </a:prstGeom>
+        </p:spPr>
+        <p:style>
+          <a:lnRef idx="3">
+            <a:schemeClr val="accent2"/>
+          </a:lnRef>
+          <a:fillRef idx="0">
+            <a:schemeClr val="accent2"/>
+          </a:fillRef>
+          <a:effectRef idx="2">
+            <a:schemeClr val="accent2"/>
+          </a:effectRef>
+          <a:fontRef idx="minor">
+            <a:schemeClr val="tx1"/>
+          </a:fontRef>
+        </p:style>
+      </p:cxnSp>
+      <p:sp>
+        <p:nvSpPr>
+          <p:cNvPr id="21" name="TextBox 20"/>
+          <p:cNvSpPr txBox="1"/>
+          <p:nvPr/>
+        </p:nvSpPr>
+        <p:spPr>
+          <a:xfrm>
+            <a:off x="7700551" y="4857438"/>
+            <a:ext cx="3284874" cy="738664"/>
+          </a:xfrm>
+          <a:prstGeom prst="rect">
+            <a:avLst/>
+          </a:prstGeom>
+          <a:noFill/>
+        </p:spPr>
+        <p:txBody>
+          <a:bodyPr wrap="none" rtlCol="0">
+            <a:spAutoFit/>
+          </a:bodyPr>
+          <a:lstStyle/>
+          <a:p>
+            <a:pPr>
+              <a:lnSpc>
+                <a:spcPct val="150000"/>
+              </a:lnSpc>
+            </a:pPr>
+            <a:r>
+              <a:rPr lang="en-US" altLang="ko-KR" sz="1400" dirty="0" smtClean="0"/>
+              <a:t>settingMenuBody</a:t>
+            </a:r>
+            <a:r>
+              <a:rPr lang="ko-KR" altLang="en-US" sz="1400" dirty="0" smtClean="0"/>
+              <a:t>클래스 추가했고</a:t>
+            </a:r>
+            <a:r>
+              <a:rPr lang="en-US" altLang="ko-KR" sz="1400" dirty="0" smtClean="0"/>
+              <a:t>.</a:t>
+            </a:r>
+          </a:p>
+          <a:p>
+            <a:pPr>
+              <a:lnSpc>
+                <a:spcPct val="150000"/>
+              </a:lnSpc>
+            </a:pPr>
+            <a:r>
+              <a:rPr lang="ko-KR" altLang="en-US" sz="1400" dirty="0" smtClean="0"/>
+              <a:t>원래 있던 태그들은 </a:t>
+            </a:r>
+            <a:r>
+              <a:rPr lang="ko-KR" altLang="en-US" sz="1400" dirty="0" err="1" smtClean="0"/>
+              <a:t>위치이동됐습니다</a:t>
+            </a:r>
+            <a:r>
+              <a:rPr lang="en-US" altLang="ko-KR" sz="1400" dirty="0" smtClean="0"/>
+              <a:t>.</a:t>
+            </a:r>
+            <a:endParaRPr lang="en-US" altLang="ko-KR" sz="1400" dirty="0"/>
+          </a:p>
+        </p:txBody>
+      </p:sp>
+    </p:spTree>
+    <p:extLst>
+      <p:ext uri="{BB962C8B-B14F-4D97-AF65-F5344CB8AC3E}">
+        <p14:creationId xmlns:p14="http://schemas.microsoft.com/office/powerpoint/2010/main" val="1306459428"/>
       </p:ext>
     </p:extLst>
   </p:cSld>

--- a/ppt/03-28.pptx
+++ b/ppt/03-28.pptx
@@ -13,6 +13,8 @@
     <p:sldId id="262" r:id="rId7"/>
     <p:sldId id="263" r:id="rId8"/>
     <p:sldId id="264" r:id="rId9"/>
+    <p:sldId id="265" r:id="rId10"/>
+    <p:sldId id="266" r:id="rId11"/>
   </p:sldIdLst>
   <p:sldSz cx="12192000" cy="6858000"/>
   <p:notesSz cx="6858000" cy="9144000"/>
@@ -3135,6 +3137,187 @@
 </p:sld>
 </file>
 
+<file path=ppt/slides/slide10.xml><?xml version="1.0" encoding="utf-8"?>
+<p:sld xmlns:a="http://schemas.openxmlformats.org/drawingml/2006/main" xmlns:r="http://schemas.openxmlformats.org/officeDocument/2006/relationships" xmlns:p="http://schemas.openxmlformats.org/presentationml/2006/main">
+  <p:cSld>
+    <p:spTree>
+      <p:nvGrpSpPr>
+        <p:cNvPr id="1" name=""/>
+        <p:cNvGrpSpPr/>
+        <p:nvPr/>
+      </p:nvGrpSpPr>
+      <p:grpSpPr>
+        <a:xfrm>
+          <a:off x="0" y="0"/>
+          <a:ext cx="0" cy="0"/>
+          <a:chOff x="0" y="0"/>
+          <a:chExt cx="0" cy="0"/>
+        </a:xfrm>
+      </p:grpSpPr>
+      <p:sp>
+        <p:nvSpPr>
+          <p:cNvPr id="11" name="TextBox 10"/>
+          <p:cNvSpPr txBox="1"/>
+          <p:nvPr/>
+        </p:nvSpPr>
+        <p:spPr>
+          <a:xfrm>
+            <a:off x="607101" y="352269"/>
+            <a:ext cx="1821332" cy="454292"/>
+          </a:xfrm>
+          <a:prstGeom prst="rect">
+            <a:avLst/>
+          </a:prstGeom>
+          <a:noFill/>
+        </p:spPr>
+        <p:txBody>
+          <a:bodyPr wrap="none" rtlCol="0">
+            <a:spAutoFit/>
+          </a:bodyPr>
+          <a:lstStyle/>
+          <a:p>
+            <a:pPr>
+              <a:lnSpc>
+                <a:spcPct val="150000"/>
+              </a:lnSpc>
+            </a:pPr>
+            <a:r>
+              <a:rPr lang="en-US" altLang="ko-KR" dirty="0"/>
+              <a:t>UI-SJN-24-002L</a:t>
+            </a:r>
+            <a:endParaRPr lang="ko-KR" altLang="en-US" dirty="0"/>
+          </a:p>
+        </p:txBody>
+      </p:sp>
+      <p:sp>
+        <p:nvSpPr>
+          <p:cNvPr id="14" name="TextBox 13"/>
+          <p:cNvSpPr txBox="1"/>
+          <p:nvPr/>
+        </p:nvSpPr>
+        <p:spPr>
+          <a:xfrm>
+            <a:off x="4451034" y="2536094"/>
+            <a:ext cx="1144865" cy="415498"/>
+          </a:xfrm>
+          <a:prstGeom prst="rect">
+            <a:avLst/>
+          </a:prstGeom>
+          <a:noFill/>
+        </p:spPr>
+        <p:txBody>
+          <a:bodyPr wrap="none" rtlCol="0">
+            <a:spAutoFit/>
+          </a:bodyPr>
+          <a:lstStyle/>
+          <a:p>
+            <a:pPr>
+              <a:lnSpc>
+                <a:spcPct val="150000"/>
+              </a:lnSpc>
+            </a:pPr>
+            <a:r>
+              <a:rPr lang="ko-KR" altLang="en-US" sz="1400" dirty="0" smtClean="0"/>
+              <a:t>아이콘 변경</a:t>
+            </a:r>
+            <a:endParaRPr lang="en-US" altLang="ko-KR" sz="1400" dirty="0"/>
+          </a:p>
+        </p:txBody>
+      </p:sp>
+      <p:pic>
+        <p:nvPicPr>
+          <p:cNvPr id="9" name="그림 8"/>
+          <p:cNvPicPr>
+            <a:picLocks noChangeAspect="1"/>
+          </p:cNvPicPr>
+          <p:nvPr/>
+        </p:nvPicPr>
+        <p:blipFill>
+          <a:blip r:embed="rId2"/>
+          <a:stretch>
+            <a:fillRect/>
+          </a:stretch>
+        </p:blipFill>
+        <p:spPr>
+          <a:xfrm>
+            <a:off x="499351" y="1507251"/>
+            <a:ext cx="3858163" cy="590632"/>
+          </a:xfrm>
+          <a:prstGeom prst="rect">
+            <a:avLst/>
+          </a:prstGeom>
+        </p:spPr>
+      </p:pic>
+      <p:cxnSp>
+        <p:nvCxnSpPr>
+          <p:cNvPr id="13" name="직선 화살표 연결선 12"/>
+          <p:cNvCxnSpPr/>
+          <p:nvPr/>
+        </p:nvCxnSpPr>
+        <p:spPr>
+          <a:xfrm>
+            <a:off x="4549515" y="1802567"/>
+            <a:ext cx="687798" cy="1"/>
+          </a:xfrm>
+          <a:prstGeom prst="straightConnector1">
+            <a:avLst/>
+          </a:prstGeom>
+          <a:ln>
+            <a:tailEnd type="triangle"/>
+          </a:ln>
+        </p:spPr>
+        <p:style>
+          <a:lnRef idx="1">
+            <a:schemeClr val="accent1"/>
+          </a:lnRef>
+          <a:fillRef idx="0">
+            <a:schemeClr val="accent1"/>
+          </a:fillRef>
+          <a:effectRef idx="0">
+            <a:schemeClr val="accent1"/>
+          </a:effectRef>
+          <a:fontRef idx="minor">
+            <a:schemeClr val="tx1"/>
+          </a:fontRef>
+        </p:style>
+      </p:cxnSp>
+      <p:pic>
+        <p:nvPicPr>
+          <p:cNvPr id="2" name="그림 1"/>
+          <p:cNvPicPr>
+            <a:picLocks noChangeAspect="1"/>
+          </p:cNvPicPr>
+          <p:nvPr/>
+        </p:nvPicPr>
+        <p:blipFill>
+          <a:blip r:embed="rId3"/>
+          <a:stretch>
+            <a:fillRect/>
+          </a:stretch>
+        </p:blipFill>
+        <p:spPr>
+          <a:xfrm>
+            <a:off x="5531724" y="1478672"/>
+            <a:ext cx="3886742" cy="647790"/>
+          </a:xfrm>
+          <a:prstGeom prst="rect">
+            <a:avLst/>
+          </a:prstGeom>
+        </p:spPr>
+      </p:pic>
+    </p:spTree>
+    <p:extLst>
+      <p:ext uri="{BB962C8B-B14F-4D97-AF65-F5344CB8AC3E}">
+        <p14:creationId xmlns:p14="http://schemas.microsoft.com/office/powerpoint/2010/main" val="2845865116"/>
+      </p:ext>
+    </p:extLst>
+  </p:cSld>
+  <p:clrMapOvr>
+    <a:masterClrMapping/>
+  </p:clrMapOvr>
+</p:sld>
+</file>
+
 <file path=ppt/slides/slide2.xml><?xml version="1.0" encoding="utf-8"?>
 <p:sld xmlns:a="http://schemas.openxmlformats.org/drawingml/2006/main" xmlns:r="http://schemas.openxmlformats.org/officeDocument/2006/relationships" xmlns:p="http://schemas.openxmlformats.org/presentationml/2006/main">
   <p:cSld>
@@ -5471,6 +5654,289 @@
     <p:extLst>
       <p:ext uri="{BB962C8B-B14F-4D97-AF65-F5344CB8AC3E}">
         <p14:creationId xmlns:p14="http://schemas.microsoft.com/office/powerpoint/2010/main" val="1306459428"/>
+      </p:ext>
+    </p:extLst>
+  </p:cSld>
+  <p:clrMapOvr>
+    <a:masterClrMapping/>
+  </p:clrMapOvr>
+</p:sld>
+</file>
+
+<file path=ppt/slides/slide9.xml><?xml version="1.0" encoding="utf-8"?>
+<p:sld xmlns:a="http://schemas.openxmlformats.org/drawingml/2006/main" xmlns:r="http://schemas.openxmlformats.org/officeDocument/2006/relationships" xmlns:p="http://schemas.openxmlformats.org/presentationml/2006/main">
+  <p:cSld>
+    <p:spTree>
+      <p:nvGrpSpPr>
+        <p:cNvPr id="1" name=""/>
+        <p:cNvGrpSpPr/>
+        <p:nvPr/>
+      </p:nvGrpSpPr>
+      <p:grpSpPr>
+        <a:xfrm>
+          <a:off x="0" y="0"/>
+          <a:ext cx="0" cy="0"/>
+          <a:chOff x="0" y="0"/>
+          <a:chExt cx="0" cy="0"/>
+        </a:xfrm>
+      </p:grpSpPr>
+      <p:sp>
+        <p:nvSpPr>
+          <p:cNvPr id="11" name="TextBox 10"/>
+          <p:cNvSpPr txBox="1"/>
+          <p:nvPr/>
+        </p:nvSpPr>
+        <p:spPr>
+          <a:xfrm>
+            <a:off x="607101" y="352269"/>
+            <a:ext cx="3010761" cy="507831"/>
+          </a:xfrm>
+          <a:prstGeom prst="rect">
+            <a:avLst/>
+          </a:prstGeom>
+          <a:noFill/>
+        </p:spPr>
+        <p:txBody>
+          <a:bodyPr wrap="none" rtlCol="0">
+            <a:spAutoFit/>
+          </a:bodyPr>
+          <a:lstStyle/>
+          <a:p>
+            <a:pPr>
+              <a:lnSpc>
+                <a:spcPct val="150000"/>
+              </a:lnSpc>
+            </a:pPr>
+            <a:r>
+              <a:rPr lang="en-US" altLang="ko-KR" dirty="0" smtClean="0"/>
+              <a:t>UI-SJN-20-001U, </a:t>
+            </a:r>
+            <a:r>
+              <a:rPr lang="ko-KR" altLang="en-US" dirty="0"/>
+              <a:t>기</a:t>
+            </a:r>
+            <a:r>
+              <a:rPr lang="ko-KR" altLang="en-US" dirty="0" smtClean="0"/>
+              <a:t>타 </a:t>
+            </a:r>
+            <a:r>
+              <a:rPr lang="ko-KR" altLang="en-US" dirty="0" err="1" smtClean="0"/>
+              <a:t>맵등</a:t>
+            </a:r>
+            <a:endParaRPr lang="ko-KR" altLang="en-US" dirty="0"/>
+          </a:p>
+        </p:txBody>
+      </p:sp>
+      <p:pic>
+        <p:nvPicPr>
+          <p:cNvPr id="2" name="그림 1"/>
+          <p:cNvPicPr>
+            <a:picLocks noChangeAspect="1"/>
+          </p:cNvPicPr>
+          <p:nvPr/>
+        </p:nvPicPr>
+        <p:blipFill>
+          <a:blip r:embed="rId2"/>
+          <a:stretch>
+            <a:fillRect/>
+          </a:stretch>
+        </p:blipFill>
+        <p:spPr>
+          <a:xfrm>
+            <a:off x="692770" y="1237152"/>
+            <a:ext cx="790685" cy="1190791"/>
+          </a:xfrm>
+          <a:prstGeom prst="rect">
+            <a:avLst/>
+          </a:prstGeom>
+        </p:spPr>
+      </p:pic>
+      <p:pic>
+        <p:nvPicPr>
+          <p:cNvPr id="3" name="그림 2"/>
+          <p:cNvPicPr>
+            <a:picLocks noChangeAspect="1"/>
+          </p:cNvPicPr>
+          <p:nvPr/>
+        </p:nvPicPr>
+        <p:blipFill>
+          <a:blip r:embed="rId3"/>
+          <a:stretch>
+            <a:fillRect/>
+          </a:stretch>
+        </p:blipFill>
+        <p:spPr>
+          <a:xfrm>
+            <a:off x="2321175" y="1045366"/>
+            <a:ext cx="5001323" cy="1724266"/>
+          </a:xfrm>
+          <a:prstGeom prst="rect">
+            <a:avLst/>
+          </a:prstGeom>
+        </p:spPr>
+      </p:pic>
+      <p:cxnSp>
+        <p:nvCxnSpPr>
+          <p:cNvPr id="5" name="직선 연결선 4"/>
+          <p:cNvCxnSpPr/>
+          <p:nvPr/>
+        </p:nvCxnSpPr>
+        <p:spPr>
+          <a:xfrm>
+            <a:off x="3170420" y="1237152"/>
+            <a:ext cx="712033" cy="0"/>
+          </a:xfrm>
+          <a:prstGeom prst="line">
+            <a:avLst/>
+          </a:prstGeom>
+        </p:spPr>
+        <p:style>
+          <a:lnRef idx="3">
+            <a:schemeClr val="accent2"/>
+          </a:lnRef>
+          <a:fillRef idx="0">
+            <a:schemeClr val="accent2"/>
+          </a:fillRef>
+          <a:effectRef idx="2">
+            <a:schemeClr val="accent2"/>
+          </a:effectRef>
+          <a:fontRef idx="minor">
+            <a:schemeClr val="tx1"/>
+          </a:fontRef>
+        </p:style>
+      </p:cxnSp>
+      <p:sp>
+        <p:nvSpPr>
+          <p:cNvPr id="14" name="TextBox 13"/>
+          <p:cNvSpPr txBox="1"/>
+          <p:nvPr/>
+        </p:nvSpPr>
+        <p:spPr>
+          <a:xfrm>
+            <a:off x="448660" y="3328122"/>
+            <a:ext cx="4806124" cy="415498"/>
+          </a:xfrm>
+          <a:prstGeom prst="rect">
+            <a:avLst/>
+          </a:prstGeom>
+          <a:noFill/>
+        </p:spPr>
+        <p:txBody>
+          <a:bodyPr wrap="none" rtlCol="0">
+            <a:spAutoFit/>
+          </a:bodyPr>
+          <a:lstStyle/>
+          <a:p>
+            <a:pPr>
+              <a:lnSpc>
+                <a:spcPct val="150000"/>
+              </a:lnSpc>
+            </a:pPr>
+            <a:r>
+              <a:rPr lang="en-US" altLang="ko-KR" sz="1400" dirty="0"/>
+              <a:t>UI-SJN-50-002L, </a:t>
+            </a:r>
+            <a:r>
+              <a:rPr lang="en-US" altLang="ko-KR" sz="1400" dirty="0" smtClean="0"/>
+              <a:t>UI-SJN-50-007L</a:t>
+            </a:r>
+            <a:r>
+              <a:rPr lang="ko-KR" altLang="en-US" sz="1400" dirty="0" smtClean="0"/>
+              <a:t>은 구조를 변경했습니다</a:t>
+            </a:r>
+            <a:r>
+              <a:rPr lang="en-US" altLang="ko-KR" sz="1400" dirty="0" smtClean="0"/>
+              <a:t>.</a:t>
+            </a:r>
+            <a:endParaRPr lang="en-US" altLang="ko-KR" sz="1400" dirty="0"/>
+          </a:p>
+        </p:txBody>
+      </p:sp>
+      <p:pic>
+        <p:nvPicPr>
+          <p:cNvPr id="6" name="그림 5"/>
+          <p:cNvPicPr>
+            <a:picLocks noChangeAspect="1"/>
+          </p:cNvPicPr>
+          <p:nvPr/>
+        </p:nvPicPr>
+        <p:blipFill>
+          <a:blip r:embed="rId4"/>
+          <a:stretch>
+            <a:fillRect/>
+          </a:stretch>
+        </p:blipFill>
+        <p:spPr>
+          <a:xfrm>
+            <a:off x="448660" y="4035026"/>
+            <a:ext cx="5067531" cy="1461788"/>
+          </a:xfrm>
+          <a:prstGeom prst="rect">
+            <a:avLst/>
+          </a:prstGeom>
+        </p:spPr>
+      </p:pic>
+      <p:pic>
+        <p:nvPicPr>
+          <p:cNvPr id="7" name="그림 6"/>
+          <p:cNvPicPr>
+            <a:picLocks noChangeAspect="1"/>
+          </p:cNvPicPr>
+          <p:nvPr/>
+        </p:nvPicPr>
+        <p:blipFill>
+          <a:blip r:embed="rId5"/>
+          <a:stretch>
+            <a:fillRect/>
+          </a:stretch>
+        </p:blipFill>
+        <p:spPr>
+          <a:xfrm>
+            <a:off x="6482424" y="4035026"/>
+            <a:ext cx="4865130" cy="1521759"/>
+          </a:xfrm>
+          <a:prstGeom prst="rect">
+            <a:avLst/>
+          </a:prstGeom>
+        </p:spPr>
+      </p:pic>
+      <p:cxnSp>
+        <p:nvCxnSpPr>
+          <p:cNvPr id="10" name="직선 화살표 연결선 9"/>
+          <p:cNvCxnSpPr/>
+          <p:nvPr/>
+        </p:nvCxnSpPr>
+        <p:spPr>
+          <a:xfrm>
+            <a:off x="5606321" y="4557010"/>
+            <a:ext cx="697043" cy="0"/>
+          </a:xfrm>
+          <a:prstGeom prst="straightConnector1">
+            <a:avLst/>
+          </a:prstGeom>
+          <a:ln>
+            <a:tailEnd type="triangle"/>
+          </a:ln>
+        </p:spPr>
+        <p:style>
+          <a:lnRef idx="1">
+            <a:schemeClr val="accent1"/>
+          </a:lnRef>
+          <a:fillRef idx="0">
+            <a:schemeClr val="accent1"/>
+          </a:fillRef>
+          <a:effectRef idx="0">
+            <a:schemeClr val="accent1"/>
+          </a:effectRef>
+          <a:fontRef idx="minor">
+            <a:schemeClr val="tx1"/>
+          </a:fontRef>
+        </p:style>
+      </p:cxnSp>
+    </p:spTree>
+    <p:extLst>
+      <p:ext uri="{BB962C8B-B14F-4D97-AF65-F5344CB8AC3E}">
+        <p14:creationId xmlns:p14="http://schemas.microsoft.com/office/powerpoint/2010/main" val="723602619"/>
       </p:ext>
     </p:extLst>
   </p:cSld>

--- a/ppt/03-28.pptx
+++ b/ppt/03-28.pptx
@@ -15,6 +15,8 @@
     <p:sldId id="264" r:id="rId9"/>
     <p:sldId id="265" r:id="rId10"/>
     <p:sldId id="266" r:id="rId11"/>
+    <p:sldId id="267" r:id="rId12"/>
+    <p:sldId id="268" r:id="rId13"/>
   </p:sldIdLst>
   <p:sldSz cx="12192000" cy="6858000"/>
   <p:notesSz cx="6858000" cy="9144000"/>
@@ -3318,6 +3320,677 @@
 </p:sld>
 </file>
 
+<file path=ppt/slides/slide11.xml><?xml version="1.0" encoding="utf-8"?>
+<p:sld xmlns:a="http://schemas.openxmlformats.org/drawingml/2006/main" xmlns:r="http://schemas.openxmlformats.org/officeDocument/2006/relationships" xmlns:p="http://schemas.openxmlformats.org/presentationml/2006/main">
+  <p:cSld>
+    <p:spTree>
+      <p:nvGrpSpPr>
+        <p:cNvPr id="1" name=""/>
+        <p:cNvGrpSpPr/>
+        <p:nvPr/>
+      </p:nvGrpSpPr>
+      <p:grpSpPr>
+        <a:xfrm>
+          <a:off x="0" y="0"/>
+          <a:ext cx="0" cy="0"/>
+          <a:chOff x="0" y="0"/>
+          <a:chExt cx="0" cy="0"/>
+        </a:xfrm>
+      </p:grpSpPr>
+      <p:sp>
+        <p:nvSpPr>
+          <p:cNvPr id="11" name="TextBox 10"/>
+          <p:cNvSpPr txBox="1"/>
+          <p:nvPr/>
+        </p:nvSpPr>
+        <p:spPr>
+          <a:xfrm>
+            <a:off x="607101" y="352269"/>
+            <a:ext cx="1821332" cy="454292"/>
+          </a:xfrm>
+          <a:prstGeom prst="rect">
+            <a:avLst/>
+          </a:prstGeom>
+          <a:noFill/>
+        </p:spPr>
+        <p:txBody>
+          <a:bodyPr wrap="none" rtlCol="0">
+            <a:spAutoFit/>
+          </a:bodyPr>
+          <a:lstStyle/>
+          <a:p>
+            <a:pPr>
+              <a:lnSpc>
+                <a:spcPct val="150000"/>
+              </a:lnSpc>
+            </a:pPr>
+            <a:r>
+              <a:rPr lang="en-US" altLang="ko-KR" dirty="0"/>
+              <a:t>UI-SJN-42-001L</a:t>
+            </a:r>
+            <a:endParaRPr lang="ko-KR" altLang="en-US" dirty="0"/>
+          </a:p>
+        </p:txBody>
+      </p:sp>
+      <p:pic>
+        <p:nvPicPr>
+          <p:cNvPr id="4" name="그림 3"/>
+          <p:cNvPicPr>
+            <a:picLocks noChangeAspect="1"/>
+          </p:cNvPicPr>
+          <p:nvPr/>
+        </p:nvPicPr>
+        <p:blipFill>
+          <a:blip r:embed="rId2"/>
+          <a:stretch>
+            <a:fillRect/>
+          </a:stretch>
+        </p:blipFill>
+        <p:spPr>
+          <a:xfrm>
+            <a:off x="683871" y="1122347"/>
+            <a:ext cx="3029373" cy="1705213"/>
+          </a:xfrm>
+          <a:prstGeom prst="rect">
+            <a:avLst/>
+          </a:prstGeom>
+        </p:spPr>
+      </p:pic>
+      <p:sp>
+        <p:nvSpPr>
+          <p:cNvPr id="10" name="TextBox 9"/>
+          <p:cNvSpPr txBox="1"/>
+          <p:nvPr/>
+        </p:nvSpPr>
+        <p:spPr>
+          <a:xfrm>
+            <a:off x="4624465" y="352269"/>
+            <a:ext cx="1821332" cy="454292"/>
+          </a:xfrm>
+          <a:prstGeom prst="rect">
+            <a:avLst/>
+          </a:prstGeom>
+          <a:noFill/>
+        </p:spPr>
+        <p:txBody>
+          <a:bodyPr wrap="none" rtlCol="0">
+            <a:spAutoFit/>
+          </a:bodyPr>
+          <a:lstStyle/>
+          <a:p>
+            <a:pPr>
+              <a:lnSpc>
+                <a:spcPct val="150000"/>
+              </a:lnSpc>
+            </a:pPr>
+            <a:r>
+              <a:rPr lang="en-US" altLang="ko-KR" dirty="0"/>
+              <a:t>UI-SJN-30-007L</a:t>
+            </a:r>
+            <a:endParaRPr lang="ko-KR" altLang="en-US" dirty="0"/>
+          </a:p>
+        </p:txBody>
+      </p:sp>
+      <p:pic>
+        <p:nvPicPr>
+          <p:cNvPr id="5" name="그림 4"/>
+          <p:cNvPicPr>
+            <a:picLocks noChangeAspect="1"/>
+          </p:cNvPicPr>
+          <p:nvPr/>
+        </p:nvPicPr>
+        <p:blipFill>
+          <a:blip r:embed="rId3"/>
+          <a:stretch>
+            <a:fillRect/>
+          </a:stretch>
+        </p:blipFill>
+        <p:spPr>
+          <a:xfrm>
+            <a:off x="4582498" y="1122347"/>
+            <a:ext cx="1905266" cy="733527"/>
+          </a:xfrm>
+          <a:prstGeom prst="rect">
+            <a:avLst/>
+          </a:prstGeom>
+        </p:spPr>
+      </p:pic>
+      <p:sp>
+        <p:nvSpPr>
+          <p:cNvPr id="12" name="TextBox 11"/>
+          <p:cNvSpPr txBox="1"/>
+          <p:nvPr/>
+        </p:nvSpPr>
+        <p:spPr>
+          <a:xfrm>
+            <a:off x="8027232" y="352269"/>
+            <a:ext cx="1821332" cy="454292"/>
+          </a:xfrm>
+          <a:prstGeom prst="rect">
+            <a:avLst/>
+          </a:prstGeom>
+          <a:noFill/>
+        </p:spPr>
+        <p:txBody>
+          <a:bodyPr wrap="none" rtlCol="0">
+            <a:spAutoFit/>
+          </a:bodyPr>
+          <a:lstStyle/>
+          <a:p>
+            <a:pPr>
+              <a:lnSpc>
+                <a:spcPct val="150000"/>
+              </a:lnSpc>
+            </a:pPr>
+            <a:r>
+              <a:rPr lang="en-US" altLang="ko-KR" dirty="0"/>
+              <a:t>UI-SJN-50-011L</a:t>
+            </a:r>
+            <a:endParaRPr lang="ko-KR" altLang="en-US" dirty="0"/>
+          </a:p>
+        </p:txBody>
+      </p:sp>
+      <p:pic>
+        <p:nvPicPr>
+          <p:cNvPr id="6" name="그림 5"/>
+          <p:cNvPicPr>
+            <a:picLocks noChangeAspect="1"/>
+          </p:cNvPicPr>
+          <p:nvPr/>
+        </p:nvPicPr>
+        <p:blipFill>
+          <a:blip r:embed="rId4"/>
+          <a:stretch>
+            <a:fillRect/>
+          </a:stretch>
+        </p:blipFill>
+        <p:spPr>
+          <a:xfrm>
+            <a:off x="8027232" y="1058317"/>
+            <a:ext cx="1762371" cy="724001"/>
+          </a:xfrm>
+          <a:prstGeom prst="rect">
+            <a:avLst/>
+          </a:prstGeom>
+        </p:spPr>
+      </p:pic>
+      <p:pic>
+        <p:nvPicPr>
+          <p:cNvPr id="7" name="그림 6"/>
+          <p:cNvPicPr>
+            <a:picLocks noChangeAspect="1"/>
+          </p:cNvPicPr>
+          <p:nvPr/>
+        </p:nvPicPr>
+        <p:blipFill>
+          <a:blip r:embed="rId5"/>
+          <a:stretch>
+            <a:fillRect/>
+          </a:stretch>
+        </p:blipFill>
+        <p:spPr>
+          <a:xfrm>
+            <a:off x="800319" y="3539331"/>
+            <a:ext cx="5210902" cy="933580"/>
+          </a:xfrm>
+          <a:prstGeom prst="rect">
+            <a:avLst/>
+          </a:prstGeom>
+        </p:spPr>
+      </p:pic>
+      <p:cxnSp>
+        <p:nvCxnSpPr>
+          <p:cNvPr id="15" name="직선 연결선 14"/>
+          <p:cNvCxnSpPr/>
+          <p:nvPr/>
+        </p:nvCxnSpPr>
+        <p:spPr>
+          <a:xfrm>
+            <a:off x="1776334" y="3919928"/>
+            <a:ext cx="749508" cy="0"/>
+          </a:xfrm>
+          <a:prstGeom prst="line">
+            <a:avLst/>
+          </a:prstGeom>
+        </p:spPr>
+        <p:style>
+          <a:lnRef idx="3">
+            <a:schemeClr val="accent2"/>
+          </a:lnRef>
+          <a:fillRef idx="0">
+            <a:schemeClr val="accent2"/>
+          </a:fillRef>
+          <a:effectRef idx="2">
+            <a:schemeClr val="accent2"/>
+          </a:effectRef>
+          <a:fontRef idx="minor">
+            <a:schemeClr val="tx1"/>
+          </a:fontRef>
+        </p:style>
+      </p:cxnSp>
+      <p:sp>
+        <p:nvSpPr>
+          <p:cNvPr id="16" name="TextBox 15"/>
+          <p:cNvSpPr txBox="1"/>
+          <p:nvPr/>
+        </p:nvSpPr>
+        <p:spPr>
+          <a:xfrm>
+            <a:off x="2763985" y="4743316"/>
+            <a:ext cx="3244799" cy="415498"/>
+          </a:xfrm>
+          <a:prstGeom prst="rect">
+            <a:avLst/>
+          </a:prstGeom>
+          <a:noFill/>
+        </p:spPr>
+        <p:txBody>
+          <a:bodyPr wrap="none" rtlCol="0">
+            <a:spAutoFit/>
+          </a:bodyPr>
+          <a:lstStyle/>
+          <a:p>
+            <a:pPr>
+              <a:lnSpc>
+                <a:spcPct val="150000"/>
+              </a:lnSpc>
+            </a:pPr>
+            <a:r>
+              <a:rPr lang="ko-KR" altLang="en-US" sz="1400" dirty="0" err="1" smtClean="0"/>
+              <a:t>동그리마</a:t>
+            </a:r>
+            <a:r>
+              <a:rPr lang="ko-KR" altLang="en-US" sz="1400" dirty="0" smtClean="0"/>
+              <a:t> 아이콘을 보여주는 </a:t>
+            </a:r>
+            <a:r>
+              <a:rPr lang="ko-KR" altLang="en-US" sz="1400" dirty="0" err="1" smtClean="0"/>
+              <a:t>클래스명</a:t>
+            </a:r>
+            <a:endParaRPr lang="en-US" altLang="ko-KR" sz="1400" dirty="0"/>
+          </a:p>
+        </p:txBody>
+      </p:sp>
+      <p:cxnSp>
+        <p:nvCxnSpPr>
+          <p:cNvPr id="18" name="직선 화살표 연결선 17"/>
+          <p:cNvCxnSpPr/>
+          <p:nvPr/>
+        </p:nvCxnSpPr>
+        <p:spPr>
+          <a:xfrm flipV="1">
+            <a:off x="2023672" y="4144780"/>
+            <a:ext cx="0" cy="933580"/>
+          </a:xfrm>
+          <a:prstGeom prst="straightConnector1">
+            <a:avLst/>
+          </a:prstGeom>
+          <a:ln>
+            <a:tailEnd type="triangle"/>
+          </a:ln>
+        </p:spPr>
+        <p:style>
+          <a:lnRef idx="1">
+            <a:schemeClr val="accent1"/>
+          </a:lnRef>
+          <a:fillRef idx="0">
+            <a:schemeClr val="accent1"/>
+          </a:fillRef>
+          <a:effectRef idx="0">
+            <a:schemeClr val="accent1"/>
+          </a:effectRef>
+          <a:fontRef idx="minor">
+            <a:schemeClr val="tx1"/>
+          </a:fontRef>
+        </p:style>
+      </p:cxnSp>
+      <p:cxnSp>
+        <p:nvCxnSpPr>
+          <p:cNvPr id="20" name="직선 화살표 연결선 19"/>
+          <p:cNvCxnSpPr/>
+          <p:nvPr/>
+        </p:nvCxnSpPr>
+        <p:spPr>
+          <a:xfrm flipV="1">
+            <a:off x="2960557" y="3889948"/>
+            <a:ext cx="0" cy="691642"/>
+          </a:xfrm>
+          <a:prstGeom prst="straightConnector1">
+            <a:avLst/>
+          </a:prstGeom>
+          <a:ln>
+            <a:tailEnd type="triangle"/>
+          </a:ln>
+        </p:spPr>
+        <p:style>
+          <a:lnRef idx="1">
+            <a:schemeClr val="accent1"/>
+          </a:lnRef>
+          <a:fillRef idx="0">
+            <a:schemeClr val="accent1"/>
+          </a:fillRef>
+          <a:effectRef idx="0">
+            <a:schemeClr val="accent1"/>
+          </a:effectRef>
+          <a:fontRef idx="minor">
+            <a:schemeClr val="tx1"/>
+          </a:fontRef>
+        </p:style>
+      </p:cxnSp>
+      <p:sp>
+        <p:nvSpPr>
+          <p:cNvPr id="21" name="TextBox 20"/>
+          <p:cNvSpPr txBox="1"/>
+          <p:nvPr/>
+        </p:nvSpPr>
+        <p:spPr>
+          <a:xfrm>
+            <a:off x="1731055" y="5337082"/>
+            <a:ext cx="3247236" cy="415498"/>
+          </a:xfrm>
+          <a:prstGeom prst="rect">
+            <a:avLst/>
+          </a:prstGeom>
+          <a:noFill/>
+        </p:spPr>
+        <p:txBody>
+          <a:bodyPr wrap="none" rtlCol="0">
+            <a:spAutoFit/>
+          </a:bodyPr>
+          <a:lstStyle/>
+          <a:p>
+            <a:pPr>
+              <a:lnSpc>
+                <a:spcPct val="150000"/>
+              </a:lnSpc>
+            </a:pPr>
+            <a:r>
+              <a:rPr lang="ko-KR" altLang="en-US" sz="1400" dirty="0" smtClean="0"/>
+              <a:t>공통적으로 </a:t>
+            </a:r>
+            <a:r>
+              <a:rPr lang="en-US" altLang="ko-KR" sz="1400" dirty="0" smtClean="0"/>
+              <a:t>bubbleBox </a:t>
+            </a:r>
+            <a:r>
+              <a:rPr lang="ko-KR" altLang="en-US" sz="1400" dirty="0" err="1" smtClean="0"/>
+              <a:t>를</a:t>
+            </a:r>
+            <a:r>
+              <a:rPr lang="ko-KR" altLang="en-US" sz="1400" dirty="0" smtClean="0"/>
+              <a:t> 사용합니다</a:t>
+            </a:r>
+            <a:r>
+              <a:rPr lang="en-US" altLang="ko-KR" sz="1400" dirty="0" smtClean="0"/>
+              <a:t>.</a:t>
+            </a:r>
+            <a:endParaRPr lang="en-US" altLang="ko-KR" sz="1400" dirty="0"/>
+          </a:p>
+        </p:txBody>
+      </p:sp>
+    </p:spTree>
+    <p:extLst>
+      <p:ext uri="{BB962C8B-B14F-4D97-AF65-F5344CB8AC3E}">
+        <p14:creationId xmlns:p14="http://schemas.microsoft.com/office/powerpoint/2010/main" val="1543209102"/>
+      </p:ext>
+    </p:extLst>
+  </p:cSld>
+  <p:clrMapOvr>
+    <a:masterClrMapping/>
+  </p:clrMapOvr>
+</p:sld>
+</file>
+
+<file path=ppt/slides/slide12.xml><?xml version="1.0" encoding="utf-8"?>
+<p:sld xmlns:a="http://schemas.openxmlformats.org/drawingml/2006/main" xmlns:r="http://schemas.openxmlformats.org/officeDocument/2006/relationships" xmlns:p="http://schemas.openxmlformats.org/presentationml/2006/main">
+  <p:cSld>
+    <p:spTree>
+      <p:nvGrpSpPr>
+        <p:cNvPr id="1" name=""/>
+        <p:cNvGrpSpPr/>
+        <p:nvPr/>
+      </p:nvGrpSpPr>
+      <p:grpSpPr>
+        <a:xfrm>
+          <a:off x="0" y="0"/>
+          <a:ext cx="0" cy="0"/>
+          <a:chOff x="0" y="0"/>
+          <a:chExt cx="0" cy="0"/>
+        </a:xfrm>
+      </p:grpSpPr>
+      <p:sp>
+        <p:nvSpPr>
+          <p:cNvPr id="14" name="TextBox 13"/>
+          <p:cNvSpPr txBox="1"/>
+          <p:nvPr/>
+        </p:nvSpPr>
+        <p:spPr>
+          <a:xfrm>
+            <a:off x="607101" y="352269"/>
+            <a:ext cx="1189749" cy="507831"/>
+          </a:xfrm>
+          <a:prstGeom prst="rect">
+            <a:avLst/>
+          </a:prstGeom>
+          <a:noFill/>
+        </p:spPr>
+        <p:txBody>
+          <a:bodyPr wrap="none" rtlCol="0">
+            <a:spAutoFit/>
+          </a:bodyPr>
+          <a:lstStyle/>
+          <a:p>
+            <a:pPr>
+              <a:lnSpc>
+                <a:spcPct val="150000"/>
+              </a:lnSpc>
+            </a:pPr>
+            <a:r>
+              <a:rPr lang="ko-KR" altLang="en-US" dirty="0" smtClean="0"/>
+              <a:t>맵 아이콘</a:t>
+            </a:r>
+            <a:endParaRPr lang="ko-KR" altLang="en-US" dirty="0"/>
+          </a:p>
+        </p:txBody>
+      </p:sp>
+      <p:pic>
+        <p:nvPicPr>
+          <p:cNvPr id="2" name="그림 1"/>
+          <p:cNvPicPr>
+            <a:picLocks noChangeAspect="1"/>
+          </p:cNvPicPr>
+          <p:nvPr/>
+        </p:nvPicPr>
+        <p:blipFill>
+          <a:blip r:embed="rId2"/>
+          <a:stretch>
+            <a:fillRect/>
+          </a:stretch>
+        </p:blipFill>
+        <p:spPr>
+          <a:xfrm>
+            <a:off x="607101" y="1034320"/>
+            <a:ext cx="4174761" cy="3777816"/>
+          </a:xfrm>
+          <a:prstGeom prst="rect">
+            <a:avLst/>
+          </a:prstGeom>
+        </p:spPr>
+      </p:pic>
+      <p:sp>
+        <p:nvSpPr>
+          <p:cNvPr id="17" name="TextBox 16"/>
+          <p:cNvSpPr txBox="1"/>
+          <p:nvPr/>
+        </p:nvSpPr>
+        <p:spPr>
+          <a:xfrm>
+            <a:off x="1003203" y="4986356"/>
+            <a:ext cx="1587294" cy="373885"/>
+          </a:xfrm>
+          <a:prstGeom prst="rect">
+            <a:avLst/>
+          </a:prstGeom>
+          <a:noFill/>
+        </p:spPr>
+        <p:txBody>
+          <a:bodyPr wrap="none" rtlCol="0">
+            <a:spAutoFit/>
+          </a:bodyPr>
+          <a:lstStyle/>
+          <a:p>
+            <a:pPr>
+              <a:lnSpc>
+                <a:spcPct val="150000"/>
+              </a:lnSpc>
+            </a:pPr>
+            <a:r>
+              <a:rPr lang="ko-KR" altLang="en-US" sz="1400" dirty="0" smtClean="0">
+                <a:solidFill>
+                  <a:srgbClr val="FF0000"/>
+                </a:solidFill>
+              </a:rPr>
+              <a:t>이게 전부인가요</a:t>
+            </a:r>
+            <a:r>
+              <a:rPr lang="en-US" altLang="ko-KR" sz="1400" dirty="0" smtClean="0">
+                <a:solidFill>
+                  <a:srgbClr val="FF0000"/>
+                </a:solidFill>
+              </a:rPr>
+              <a:t>?</a:t>
+            </a:r>
+            <a:endParaRPr lang="en-US" altLang="ko-KR" sz="1400" dirty="0">
+              <a:solidFill>
+                <a:srgbClr val="FF0000"/>
+              </a:solidFill>
+            </a:endParaRPr>
+          </a:p>
+        </p:txBody>
+      </p:sp>
+      <p:sp>
+        <p:nvSpPr>
+          <p:cNvPr id="19" name="TextBox 18"/>
+          <p:cNvSpPr txBox="1"/>
+          <p:nvPr/>
+        </p:nvSpPr>
+        <p:spPr>
+          <a:xfrm>
+            <a:off x="6115987" y="352269"/>
+            <a:ext cx="1821332" cy="454292"/>
+          </a:xfrm>
+          <a:prstGeom prst="rect">
+            <a:avLst/>
+          </a:prstGeom>
+          <a:noFill/>
+        </p:spPr>
+        <p:txBody>
+          <a:bodyPr wrap="none" rtlCol="0">
+            <a:spAutoFit/>
+          </a:bodyPr>
+          <a:lstStyle/>
+          <a:p>
+            <a:pPr>
+              <a:lnSpc>
+                <a:spcPct val="150000"/>
+              </a:lnSpc>
+            </a:pPr>
+            <a:r>
+              <a:rPr lang="en-US" altLang="ko-KR" dirty="0"/>
+              <a:t>UI-SJN-24-001L</a:t>
+            </a:r>
+            <a:endParaRPr lang="ko-KR" altLang="en-US" dirty="0"/>
+          </a:p>
+        </p:txBody>
+      </p:sp>
+      <p:pic>
+        <p:nvPicPr>
+          <p:cNvPr id="3" name="그림 2"/>
+          <p:cNvPicPr>
+            <a:picLocks noChangeAspect="1"/>
+          </p:cNvPicPr>
+          <p:nvPr/>
+        </p:nvPicPr>
+        <p:blipFill>
+          <a:blip r:embed="rId3"/>
+          <a:stretch>
+            <a:fillRect/>
+          </a:stretch>
+        </p:blipFill>
+        <p:spPr>
+          <a:xfrm>
+            <a:off x="6169365" y="1034320"/>
+            <a:ext cx="3705742" cy="1571844"/>
+          </a:xfrm>
+          <a:prstGeom prst="rect">
+            <a:avLst/>
+          </a:prstGeom>
+        </p:spPr>
+      </p:pic>
+      <p:sp>
+        <p:nvSpPr>
+          <p:cNvPr id="22" name="TextBox 21"/>
+          <p:cNvSpPr txBox="1"/>
+          <p:nvPr/>
+        </p:nvSpPr>
+        <p:spPr>
+          <a:xfrm>
+            <a:off x="6169365" y="2923228"/>
+            <a:ext cx="1829347" cy="415498"/>
+          </a:xfrm>
+          <a:prstGeom prst="rect">
+            <a:avLst/>
+          </a:prstGeom>
+          <a:noFill/>
+        </p:spPr>
+        <p:txBody>
+          <a:bodyPr wrap="none" rtlCol="0">
+            <a:spAutoFit/>
+          </a:bodyPr>
+          <a:lstStyle/>
+          <a:p>
+            <a:pPr>
+              <a:lnSpc>
+                <a:spcPct val="150000"/>
+              </a:lnSpc>
+            </a:pPr>
+            <a:r>
+              <a:rPr lang="ko-KR" altLang="en-US" sz="1400" dirty="0" smtClean="0">
+                <a:solidFill>
+                  <a:srgbClr val="FF0000"/>
+                </a:solidFill>
+              </a:rPr>
+              <a:t>이건 어떻게 하나요</a:t>
+            </a:r>
+            <a:r>
+              <a:rPr lang="en-US" altLang="ko-KR" sz="1400" dirty="0" smtClean="0">
+                <a:solidFill>
+                  <a:srgbClr val="FF0000"/>
+                </a:solidFill>
+              </a:rPr>
+              <a:t>?</a:t>
+            </a:r>
+            <a:endParaRPr lang="en-US" altLang="ko-KR" sz="1400" dirty="0">
+              <a:solidFill>
+                <a:srgbClr val="FF0000"/>
+              </a:solidFill>
+            </a:endParaRPr>
+          </a:p>
+        </p:txBody>
+      </p:sp>
+    </p:spTree>
+    <p:extLst>
+      <p:ext uri="{BB962C8B-B14F-4D97-AF65-F5344CB8AC3E}">
+        <p14:creationId xmlns:p14="http://schemas.microsoft.com/office/powerpoint/2010/main" val="259753352"/>
+      </p:ext>
+    </p:extLst>
+  </p:cSld>
+  <p:clrMapOvr>
+    <a:masterClrMapping/>
+  </p:clrMapOvr>
+</p:sld>
+</file>
+
 <file path=ppt/slides/slide2.xml><?xml version="1.0" encoding="utf-8"?>
 <p:sld xmlns:a="http://schemas.openxmlformats.org/drawingml/2006/main" xmlns:r="http://schemas.openxmlformats.org/officeDocument/2006/relationships" xmlns:p="http://schemas.openxmlformats.org/presentationml/2006/main">
   <p:cSld>
